--- a/presentation/hezhi_AlphaCode.pptx
+++ b/presentation/hezhi_AlphaCode.pptx
@@ -8,10 +8,13 @@
     <p:notesMasterId r:id="rId4"/>
   </p:notesMasterIdLst>
   <p:handoutMasterIdLst>
-    <p:handoutMasterId r:id="rId5"/>
+    <p:handoutMasterId r:id="rId8"/>
   </p:handoutMasterIdLst>
   <p:sldIdLst>
     <p:sldId id="256" r:id="rId3"/>
+    <p:sldId id="259" r:id="rId5"/>
+    <p:sldId id="258" r:id="rId6"/>
+    <p:sldId id="260" r:id="rId7"/>
   </p:sldIdLst>
   <p:sldSz cx="12192000" cy="6858000"/>
   <p:notesSz cx="7103745" cy="10234295"/>
@@ -3548,8 +3551,361 @@
         </p:blipFill>
         <p:spPr>
           <a:xfrm>
-            <a:off x="1903095" y="1322705"/>
+            <a:off x="1652270" y="1322705"/>
             <a:ext cx="7998460" cy="3141980"/>
+          </a:xfrm>
+          <a:prstGeom prst="rect">
+            <a:avLst/>
+          </a:prstGeom>
+        </p:spPr>
+      </p:pic>
+      <p:sp>
+        <p:nvSpPr>
+          <p:cNvPr id="2" name="文本框 1"/>
+          <p:cNvSpPr txBox="1"/>
+          <p:nvPr/>
+        </p:nvSpPr>
+        <p:spPr>
+          <a:xfrm>
+            <a:off x="9124315" y="6416040"/>
+            <a:ext cx="2870200" cy="368300"/>
+          </a:xfrm>
+          <a:prstGeom prst="rect">
+            <a:avLst/>
+          </a:prstGeom>
+          <a:noFill/>
+        </p:spPr>
+        <p:txBody>
+          <a:bodyPr wrap="none" rtlCol="0">
+            <a:spAutoFit/>
+          </a:bodyPr>
+          <a:p>
+            <a:r>
+              <a:rPr lang="en-US" altLang="zh-CN"/>
+              <a:t> </a:t>
+            </a:r>
+            <a:r>
+              <a:rPr lang="zh-CN" altLang="en-US"/>
+              <a:t>计算机学院</a:t>
+            </a:r>
+            <a:r>
+              <a:rPr lang="en-US" altLang="zh-CN"/>
+              <a:t>-</a:t>
+            </a:r>
+            <a:r>
+              <a:rPr lang="zh-CN" altLang="en-US"/>
+              <a:t>电子信息</a:t>
+            </a:r>
+            <a:r>
+              <a:rPr lang="en-US" altLang="zh-CN"/>
+              <a:t> </a:t>
+            </a:r>
+            <a:r>
+              <a:rPr lang="zh-CN" altLang="en-US"/>
+              <a:t>何峙</a:t>
+            </a:r>
+            <a:endParaRPr lang="zh-CN" altLang="en-US"/>
+          </a:p>
+        </p:txBody>
+      </p:sp>
+    </p:spTree>
+  </p:cSld>
+  <p:clrMapOvr>
+    <a:masterClrMapping/>
+  </p:clrMapOvr>
+</p:sld>
+</file>
+
+<file path=ppt/slides/slide2.xml><?xml version="1.0" encoding="utf-8"?>
+<p:sld xmlns:a="http://schemas.openxmlformats.org/drawingml/2006/main" xmlns:r="http://schemas.openxmlformats.org/officeDocument/2006/relationships" xmlns:p="http://schemas.openxmlformats.org/presentationml/2006/main">
+  <p:cSld>
+    <p:spTree>
+      <p:nvGrpSpPr>
+        <p:cNvPr id="1" name=""/>
+        <p:cNvGrpSpPr/>
+        <p:nvPr/>
+      </p:nvGrpSpPr>
+      <p:grpSpPr/>
+      <p:sp>
+        <p:nvSpPr>
+          <p:cNvPr id="2" name="标题 1"/>
+          <p:cNvSpPr>
+            <a:spLocks noGrp="1"/>
+          </p:cNvSpPr>
+          <p:nvPr>
+            <p:ph type="title"/>
+          </p:nvPr>
+        </p:nvSpPr>
+        <p:spPr/>
+        <p:txBody>
+          <a:bodyPr/>
+          <a:p>
+            <a:endParaRPr lang="zh-CN" altLang="en-US"/>
+          </a:p>
+        </p:txBody>
+      </p:sp>
+      <p:sp>
+        <p:nvSpPr>
+          <p:cNvPr id="3" name="内容占位符 2"/>
+          <p:cNvSpPr>
+            <a:spLocks noGrp="1"/>
+          </p:cNvSpPr>
+          <p:nvPr>
+            <p:ph idx="1"/>
+          </p:nvPr>
+        </p:nvSpPr>
+        <p:spPr/>
+        <p:txBody>
+          <a:bodyPr/>
+          <a:p>
+            <a:endParaRPr lang="zh-CN" altLang="en-US"/>
+          </a:p>
+        </p:txBody>
+      </p:sp>
+      <p:pic>
+        <p:nvPicPr>
+          <p:cNvPr id="4" name="图片 3" descr="ak6y8-oxno8"/>
+          <p:cNvPicPr>
+            <a:picLocks noChangeAspect="1"/>
+          </p:cNvPicPr>
+          <p:nvPr/>
+        </p:nvPicPr>
+        <p:blipFill>
+          <a:blip r:embed="rId1"/>
+          <a:stretch>
+            <a:fillRect/>
+          </a:stretch>
+        </p:blipFill>
+        <p:spPr>
+          <a:xfrm>
+            <a:off x="4313555" y="57150"/>
+            <a:ext cx="3697605" cy="6743065"/>
+          </a:xfrm>
+          <a:prstGeom prst="rect">
+            <a:avLst/>
+          </a:prstGeom>
+        </p:spPr>
+      </p:pic>
+    </p:spTree>
+  </p:cSld>
+  <p:clrMapOvr>
+    <a:masterClrMapping/>
+  </p:clrMapOvr>
+</p:sld>
+</file>
+
+<file path=ppt/slides/slide3.xml><?xml version="1.0" encoding="utf-8"?>
+<p:sld xmlns:a="http://schemas.openxmlformats.org/drawingml/2006/main" xmlns:r="http://schemas.openxmlformats.org/officeDocument/2006/relationships" xmlns:p="http://schemas.openxmlformats.org/presentationml/2006/main">
+  <p:cSld>
+    <p:spTree>
+      <p:nvGrpSpPr>
+        <p:cNvPr id="1" name=""/>
+        <p:cNvGrpSpPr/>
+        <p:nvPr/>
+      </p:nvGrpSpPr>
+      <p:grpSpPr/>
+      <p:sp>
+        <p:nvSpPr>
+          <p:cNvPr id="2" name="标题 1"/>
+          <p:cNvSpPr>
+            <a:spLocks noGrp="1"/>
+          </p:cNvSpPr>
+          <p:nvPr>
+            <p:ph type="title"/>
+          </p:nvPr>
+        </p:nvSpPr>
+        <p:spPr/>
+        <p:txBody>
+          <a:bodyPr/>
+          <a:p>
+            <a:r>
+              <a:rPr lang="zh-CN" altLang="en-US"/>
+              <a:t>系统</a:t>
+            </a:r>
+            <a:r>
+              <a:rPr lang="zh-CN" altLang="en-US"/>
+              <a:t>架构</a:t>
+            </a:r>
+            <a:endParaRPr lang="zh-CN" altLang="en-US"/>
+          </a:p>
+        </p:txBody>
+      </p:sp>
+      <p:sp>
+        <p:nvSpPr>
+          <p:cNvPr id="3" name="内容占位符 2"/>
+          <p:cNvSpPr>
+            <a:spLocks noGrp="1"/>
+          </p:cNvSpPr>
+          <p:nvPr>
+            <p:ph idx="1"/>
+          </p:nvPr>
+        </p:nvSpPr>
+        <p:spPr/>
+        <p:txBody>
+          <a:bodyPr/>
+          <a:p>
+            <a:endParaRPr lang="zh-CN" altLang="en-US"/>
+          </a:p>
+        </p:txBody>
+      </p:sp>
+      <p:pic>
+        <p:nvPicPr>
+          <p:cNvPr id="4" name="图片 3" descr="1644312267351"/>
+          <p:cNvPicPr>
+            <a:picLocks noChangeAspect="1"/>
+          </p:cNvPicPr>
+          <p:nvPr/>
+        </p:nvPicPr>
+        <p:blipFill>
+          <a:blip r:embed="rId1"/>
+          <a:stretch>
+            <a:fillRect/>
+          </a:stretch>
+        </p:blipFill>
+        <p:spPr>
+          <a:xfrm>
+            <a:off x="137160" y="1673225"/>
+            <a:ext cx="11536680" cy="4556760"/>
+          </a:xfrm>
+          <a:prstGeom prst="rect">
+            <a:avLst/>
+          </a:prstGeom>
+        </p:spPr>
+      </p:pic>
+    </p:spTree>
+  </p:cSld>
+  <p:clrMapOvr>
+    <a:masterClrMapping/>
+  </p:clrMapOvr>
+</p:sld>
+</file>
+
+<file path=ppt/slides/slide4.xml><?xml version="1.0" encoding="utf-8"?>
+<p:sld xmlns:a="http://schemas.openxmlformats.org/drawingml/2006/main" xmlns:r="http://schemas.openxmlformats.org/officeDocument/2006/relationships" xmlns:p="http://schemas.openxmlformats.org/presentationml/2006/main">
+  <p:cSld>
+    <p:spTree>
+      <p:nvGrpSpPr>
+        <p:cNvPr id="1" name=""/>
+        <p:cNvGrpSpPr/>
+        <p:nvPr/>
+      </p:nvGrpSpPr>
+      <p:grpSpPr/>
+      <p:sp>
+        <p:nvSpPr>
+          <p:cNvPr id="2" name="标题 1"/>
+          <p:cNvSpPr>
+            <a:spLocks noGrp="1"/>
+          </p:cNvSpPr>
+          <p:nvPr>
+            <p:ph type="title"/>
+          </p:nvPr>
+        </p:nvSpPr>
+        <p:spPr/>
+        <p:txBody>
+          <a:bodyPr/>
+          <a:p>
+            <a:r>
+              <a:rPr lang="zh-CN" altLang="en-US">
+                <a:sym typeface="+mn-ea"/>
+              </a:rPr>
+              <a:t>系统架构</a:t>
+            </a:r>
+            <a:endParaRPr lang="zh-CN" altLang="en-US"/>
+          </a:p>
+        </p:txBody>
+      </p:sp>
+      <p:sp>
+        <p:nvSpPr>
+          <p:cNvPr id="3" name="内容占位符 2"/>
+          <p:cNvSpPr>
+            <a:spLocks noGrp="1"/>
+          </p:cNvSpPr>
+          <p:nvPr>
+            <p:ph idx="1"/>
+          </p:nvPr>
+        </p:nvSpPr>
+        <p:spPr/>
+        <p:txBody>
+          <a:bodyPr/>
+          <a:p>
+            <a:r>
+              <a:rPr lang="zh-CN" altLang="en-US" sz="2000"/>
+              <a:t>总体基于</a:t>
+            </a:r>
+            <a:r>
+              <a:rPr lang="en-US" altLang="zh-CN" sz="2000"/>
+              <a:t>transformer</a:t>
+            </a:r>
+            <a:r>
+              <a:rPr lang="zh-CN" altLang="en-US" sz="2000"/>
+              <a:t>的</a:t>
+            </a:r>
+            <a:r>
+              <a:rPr lang="en-US" altLang="zh-CN" sz="2000"/>
+              <a:t>seq2seq</a:t>
+            </a:r>
+            <a:r>
+              <a:rPr lang="zh-CN" altLang="en-US" sz="2000"/>
+              <a:t>模型</a:t>
+            </a:r>
+            <a:endParaRPr lang="zh-CN" altLang="en-US" sz="2000"/>
+          </a:p>
+          <a:p>
+            <a:endParaRPr lang="zh-CN" altLang="en-US" sz="2000"/>
+          </a:p>
+          <a:p>
+            <a:r>
+              <a:rPr lang="en-US" altLang="zh-CN" sz="2000"/>
+              <a:t>“</a:t>
+            </a:r>
+            <a:r>
+              <a:rPr lang="zh-CN" altLang="en-US" sz="2000"/>
+              <a:t>We further found that using a shallow encoder and a</a:t>
+            </a:r>
+            <a:r>
+              <a:rPr lang="en-US" altLang="zh-CN" sz="2000"/>
+              <a:t> </a:t>
+            </a:r>
+            <a:r>
+              <a:rPr lang="zh-CN" altLang="en-US" sz="2000"/>
+              <a:t>deep decoder significantly improves the efficiency of training without hurting problem solve rate.</a:t>
+            </a:r>
+            <a:r>
+              <a:rPr lang="en-US" altLang="zh-CN" sz="2000"/>
+              <a:t>”</a:t>
+            </a:r>
+            <a:endParaRPr lang="en-US" altLang="zh-CN" sz="2000"/>
+          </a:p>
+          <a:p>
+            <a:endParaRPr lang="en-US" altLang="zh-CN" sz="2000"/>
+          </a:p>
+          <a:p>
+            <a:r>
+              <a:rPr lang="en-US" altLang="zh-CN" sz="2000"/>
+              <a:t> “Using a full set of query heads but sharing key and value heads per attention block significantly reduces memory usage and cache update costs...”</a:t>
+            </a:r>
+            <a:endParaRPr lang="zh-CN" altLang="en-US" sz="2000"/>
+          </a:p>
+        </p:txBody>
+      </p:sp>
+      <p:pic>
+        <p:nvPicPr>
+          <p:cNvPr id="5" name="图片 4"/>
+          <p:cNvPicPr>
+            <a:picLocks noChangeAspect="1"/>
+          </p:cNvPicPr>
+          <p:nvPr/>
+        </p:nvPicPr>
+        <p:blipFill>
+          <a:blip r:embed="rId1"/>
+          <a:stretch>
+            <a:fillRect/>
+          </a:stretch>
+        </p:blipFill>
+        <p:spPr>
+          <a:xfrm>
+            <a:off x="3340100" y="4645025"/>
+            <a:ext cx="5707380" cy="1638300"/>
           </a:xfrm>
           <a:prstGeom prst="rect">
             <a:avLst/>

--- a/presentation/hezhi_AlphaCode.pptx
+++ b/presentation/hezhi_AlphaCode.pptx
@@ -3856,25 +3856,29 @@
           <a:p>
             <a:r>
               <a:rPr lang="en-US" altLang="zh-CN" sz="2000"/>
-              <a:t>“</a:t>
+              <a:t>encoder</a:t>
             </a:r>
             <a:r>
               <a:rPr lang="zh-CN" altLang="en-US" sz="2000"/>
-              <a:t>We further found that using a shallow encoder and a</a:t>
+              <a:t>用的</a:t>
             </a:r>
             <a:r>
               <a:rPr lang="en-US" altLang="zh-CN" sz="2000"/>
-              <a:t> </a:t>
+              <a:t>transformer</a:t>
             </a:r>
             <a:r>
               <a:rPr lang="zh-CN" altLang="en-US" sz="2000"/>
-              <a:t>deep decoder significantly improves the efficiency of training without hurting problem solve rate.</a:t>
+              <a:t>层数比</a:t>
             </a:r>
             <a:r>
               <a:rPr lang="en-US" altLang="zh-CN" sz="2000"/>
-              <a:t>”</a:t>
-            </a:r>
-            <a:endParaRPr lang="en-US" altLang="zh-CN" sz="2000"/>
+              <a:t>decoder</a:t>
+            </a:r>
+            <a:r>
+              <a:rPr lang="zh-CN" altLang="en-US" sz="2000"/>
+              <a:t>要少得多</a:t>
+            </a:r>
+            <a:endParaRPr lang="zh-CN" altLang="en-US" sz="2000"/>
           </a:p>
           <a:p>
             <a:endParaRPr lang="en-US" altLang="zh-CN" sz="2000"/>

--- a/presentation/hezhi_AlphaCode.pptx
+++ b/presentation/hezhi_AlphaCode.pptx
@@ -8,13 +8,21 @@
     <p:notesMasterId r:id="rId4"/>
   </p:notesMasterIdLst>
   <p:handoutMasterIdLst>
-    <p:handoutMasterId r:id="rId8"/>
+    <p:handoutMasterId r:id="rId16"/>
   </p:handoutMasterIdLst>
   <p:sldIdLst>
     <p:sldId id="256" r:id="rId3"/>
     <p:sldId id="259" r:id="rId5"/>
     <p:sldId id="258" r:id="rId6"/>
     <p:sldId id="260" r:id="rId7"/>
+    <p:sldId id="262" r:id="rId8"/>
+    <p:sldId id="263" r:id="rId9"/>
+    <p:sldId id="264" r:id="rId10"/>
+    <p:sldId id="265" r:id="rId11"/>
+    <p:sldId id="266" r:id="rId12"/>
+    <p:sldId id="268" r:id="rId13"/>
+    <p:sldId id="269" r:id="rId14"/>
+    <p:sldId id="270" r:id="rId15"/>
   </p:sldIdLst>
   <p:sldSz cx="12192000" cy="6858000"/>
   <p:notesSz cx="7103745" cy="10234295"/>
@@ -3616,6 +3624,2060 @@
 </p:sld>
 </file>
 
+<file path=ppt/slides/slide10.xml><?xml version="1.0" encoding="utf-8"?>
+<p:sld xmlns:a="http://schemas.openxmlformats.org/drawingml/2006/main" xmlns:r="http://schemas.openxmlformats.org/officeDocument/2006/relationships" xmlns:p="http://schemas.openxmlformats.org/presentationml/2006/main">
+  <p:cSld>
+    <p:spTree>
+      <p:nvGrpSpPr>
+        <p:cNvPr id="1" name=""/>
+        <p:cNvGrpSpPr/>
+        <p:nvPr/>
+      </p:nvGrpSpPr>
+      <p:grpSpPr/>
+      <p:sp>
+        <p:nvSpPr>
+          <p:cNvPr id="4" name="矩形 3"/>
+          <p:cNvSpPr/>
+          <p:nvPr/>
+        </p:nvSpPr>
+        <p:spPr>
+          <a:xfrm>
+            <a:off x="3432810" y="2653030"/>
+            <a:ext cx="1887855" cy="1326515"/>
+          </a:xfrm>
+          <a:prstGeom prst="rect">
+            <a:avLst/>
+          </a:prstGeom>
+        </p:spPr>
+        <p:style>
+          <a:lnRef idx="2">
+            <a:schemeClr val="accent1">
+              <a:shade val="50000"/>
+            </a:schemeClr>
+          </a:lnRef>
+          <a:fillRef idx="1">
+            <a:schemeClr val="accent1"/>
+          </a:fillRef>
+          <a:effectRef idx="0">
+            <a:schemeClr val="accent1"/>
+          </a:effectRef>
+          <a:fontRef idx="minor">
+            <a:schemeClr val="lt1"/>
+          </a:fontRef>
+        </p:style>
+        <p:txBody>
+          <a:bodyPr rtlCol="0" anchor="ctr"/>
+          <a:p>
+            <a:pPr algn="ctr"/>
+            <a:endParaRPr lang="zh-CN" altLang="en-US"/>
+          </a:p>
+        </p:txBody>
+      </p:sp>
+      <p:sp>
+        <p:nvSpPr>
+          <p:cNvPr id="7" name="文本框 6"/>
+          <p:cNvSpPr txBox="1"/>
+          <p:nvPr/>
+        </p:nvSpPr>
+        <p:spPr>
+          <a:xfrm>
+            <a:off x="4222115" y="3557905"/>
+            <a:ext cx="1020445" cy="368300"/>
+          </a:xfrm>
+          <a:prstGeom prst="rect">
+            <a:avLst/>
+          </a:prstGeom>
+          <a:noFill/>
+        </p:spPr>
+        <p:txBody>
+          <a:bodyPr wrap="none" rtlCol="0">
+            <a:spAutoFit/>
+          </a:bodyPr>
+          <a:p>
+            <a:r>
+              <a:rPr lang="en-US" altLang="zh-CN"/>
+              <a:t>encoder</a:t>
+            </a:r>
+            <a:endParaRPr lang="en-US" altLang="zh-CN"/>
+          </a:p>
+        </p:txBody>
+      </p:sp>
+      <p:sp>
+        <p:nvSpPr>
+          <p:cNvPr id="9" name="矩形 8"/>
+          <p:cNvSpPr/>
+          <p:nvPr/>
+        </p:nvSpPr>
+        <p:spPr>
+          <a:xfrm>
+            <a:off x="7381875" y="2606675"/>
+            <a:ext cx="1887855" cy="1326515"/>
+          </a:xfrm>
+          <a:prstGeom prst="rect">
+            <a:avLst/>
+          </a:prstGeom>
+        </p:spPr>
+        <p:style>
+          <a:lnRef idx="2">
+            <a:schemeClr val="accent1">
+              <a:shade val="50000"/>
+            </a:schemeClr>
+          </a:lnRef>
+          <a:fillRef idx="1">
+            <a:schemeClr val="accent1"/>
+          </a:fillRef>
+          <a:effectRef idx="0">
+            <a:schemeClr val="accent1"/>
+          </a:effectRef>
+          <a:fontRef idx="minor">
+            <a:schemeClr val="lt1"/>
+          </a:fontRef>
+        </p:style>
+        <p:txBody>
+          <a:bodyPr rtlCol="0" anchor="ctr"/>
+          <a:p>
+            <a:pPr algn="ctr"/>
+            <a:endParaRPr lang="zh-CN" altLang="en-US"/>
+          </a:p>
+        </p:txBody>
+      </p:sp>
+      <p:sp>
+        <p:nvSpPr>
+          <p:cNvPr id="10" name="文本框 9"/>
+          <p:cNvSpPr txBox="1"/>
+          <p:nvPr/>
+        </p:nvSpPr>
+        <p:spPr>
+          <a:xfrm>
+            <a:off x="8167370" y="3557905"/>
+            <a:ext cx="1028700" cy="368300"/>
+          </a:xfrm>
+          <a:prstGeom prst="rect">
+            <a:avLst/>
+          </a:prstGeom>
+          <a:noFill/>
+        </p:spPr>
+        <p:txBody>
+          <a:bodyPr wrap="none" rtlCol="0">
+            <a:spAutoFit/>
+          </a:bodyPr>
+          <a:p>
+            <a:r>
+              <a:rPr lang="en-US" altLang="zh-CN"/>
+              <a:t>decoder</a:t>
+            </a:r>
+            <a:endParaRPr lang="en-US" altLang="zh-CN"/>
+          </a:p>
+        </p:txBody>
+      </p:sp>
+      <p:cxnSp>
+        <p:nvCxnSpPr>
+          <p:cNvPr id="11" name="肘形连接符 10"/>
+          <p:cNvCxnSpPr>
+            <a:stCxn id="4" idx="0"/>
+            <a:endCxn id="9" idx="1"/>
+          </p:cNvCxnSpPr>
+          <p:nvPr/>
+        </p:nvCxnSpPr>
+        <p:spPr>
+          <a:xfrm rot="16200000" flipH="1">
+            <a:off x="5570855" y="1459230"/>
+            <a:ext cx="617220" cy="3004820"/>
+          </a:xfrm>
+          <a:prstGeom prst="bentConnector4">
+            <a:avLst>
+              <a:gd name="adj1" fmla="val -46091"/>
+              <a:gd name="adj2" fmla="val 65702"/>
+            </a:avLst>
+          </a:prstGeom>
+          <a:ln>
+            <a:tailEnd type="arrow"/>
+          </a:ln>
+        </p:spPr>
+        <p:style>
+          <a:lnRef idx="1">
+            <a:schemeClr val="accent1"/>
+          </a:lnRef>
+          <a:fillRef idx="0">
+            <a:schemeClr val="accent1"/>
+          </a:fillRef>
+          <a:effectRef idx="0">
+            <a:schemeClr val="accent1"/>
+          </a:effectRef>
+          <a:fontRef idx="minor">
+            <a:schemeClr val="tx1"/>
+          </a:fontRef>
+        </p:style>
+      </p:cxnSp>
+      <p:sp>
+        <p:nvSpPr>
+          <p:cNvPr id="15" name="文本框 14"/>
+          <p:cNvSpPr txBox="1"/>
+          <p:nvPr/>
+        </p:nvSpPr>
+        <p:spPr>
+          <a:xfrm>
+            <a:off x="7393305" y="4599305"/>
+            <a:ext cx="1786255" cy="368300"/>
+          </a:xfrm>
+          <a:prstGeom prst="rect">
+            <a:avLst/>
+          </a:prstGeom>
+          <a:noFill/>
+        </p:spPr>
+        <p:txBody>
+          <a:bodyPr wrap="none" rtlCol="0">
+            <a:spAutoFit/>
+          </a:bodyPr>
+          <a:p>
+            <a:r>
+              <a:rPr lang="en-US" altLang="zh-CN"/>
+              <a:t>token embeded</a:t>
+            </a:r>
+            <a:endParaRPr lang="en-US" altLang="zh-CN"/>
+          </a:p>
+        </p:txBody>
+      </p:sp>
+      <p:sp>
+        <p:nvSpPr>
+          <p:cNvPr id="16" name="上箭头 15"/>
+          <p:cNvSpPr/>
+          <p:nvPr/>
+        </p:nvSpPr>
+        <p:spPr>
+          <a:xfrm>
+            <a:off x="4222115" y="4108450"/>
+            <a:ext cx="316230" cy="456565"/>
+          </a:xfrm>
+          <a:prstGeom prst="upArrow">
+            <a:avLst/>
+          </a:prstGeom>
+        </p:spPr>
+        <p:style>
+          <a:lnRef idx="2">
+            <a:schemeClr val="accent1">
+              <a:shade val="50000"/>
+            </a:schemeClr>
+          </a:lnRef>
+          <a:fillRef idx="1">
+            <a:schemeClr val="accent1"/>
+          </a:fillRef>
+          <a:effectRef idx="0">
+            <a:schemeClr val="accent1"/>
+          </a:effectRef>
+          <a:fontRef idx="minor">
+            <a:schemeClr val="lt1"/>
+          </a:fontRef>
+        </p:style>
+        <p:txBody>
+          <a:bodyPr rtlCol="0" anchor="ctr"/>
+          <a:p>
+            <a:pPr algn="ctr"/>
+            <a:endParaRPr lang="zh-CN" altLang="en-US"/>
+          </a:p>
+        </p:txBody>
+      </p:sp>
+      <p:sp>
+        <p:nvSpPr>
+          <p:cNvPr id="17" name="文本框 16"/>
+          <p:cNvSpPr txBox="1"/>
+          <p:nvPr/>
+        </p:nvSpPr>
+        <p:spPr>
+          <a:xfrm>
+            <a:off x="3712210" y="4693920"/>
+            <a:ext cx="1337945" cy="368300"/>
+          </a:xfrm>
+          <a:prstGeom prst="rect">
+            <a:avLst/>
+          </a:prstGeom>
+          <a:noFill/>
+        </p:spPr>
+        <p:txBody>
+          <a:bodyPr wrap="none" rtlCol="0">
+            <a:spAutoFit/>
+          </a:bodyPr>
+          <a:p>
+            <a:r>
+              <a:rPr lang="en-US" altLang="zh-CN"/>
+              <a:t>embed</a:t>
+            </a:r>
+            <a:r>
+              <a:rPr lang="en-US" altLang="zh-CN"/>
+              <a:t>ding</a:t>
+            </a:r>
+            <a:endParaRPr lang="en-US" altLang="zh-CN"/>
+          </a:p>
+        </p:txBody>
+      </p:sp>
+      <p:sp>
+        <p:nvSpPr>
+          <p:cNvPr id="18" name="矩形 17"/>
+          <p:cNvSpPr/>
+          <p:nvPr/>
+        </p:nvSpPr>
+        <p:spPr>
+          <a:xfrm>
+            <a:off x="3462020" y="5570220"/>
+            <a:ext cx="1909445" cy="1194435"/>
+          </a:xfrm>
+          <a:prstGeom prst="rect">
+            <a:avLst/>
+          </a:prstGeom>
+          <a:noFill/>
+        </p:spPr>
+        <p:style>
+          <a:lnRef idx="2">
+            <a:schemeClr val="accent1">
+              <a:shade val="50000"/>
+            </a:schemeClr>
+          </a:lnRef>
+          <a:fillRef idx="1">
+            <a:schemeClr val="accent1"/>
+          </a:fillRef>
+          <a:effectRef idx="0">
+            <a:schemeClr val="accent1"/>
+          </a:effectRef>
+          <a:fontRef idx="minor">
+            <a:schemeClr val="lt1"/>
+          </a:fontRef>
+        </p:style>
+        <p:txBody>
+          <a:bodyPr rtlCol="0" anchor="ctr"/>
+          <a:p>
+            <a:pPr algn="ctr"/>
+            <a:endParaRPr lang="zh-CN" altLang="en-US"/>
+          </a:p>
+        </p:txBody>
+      </p:sp>
+      <p:sp>
+        <p:nvSpPr>
+          <p:cNvPr id="19" name="文本框 18"/>
+          <p:cNvSpPr txBox="1"/>
+          <p:nvPr/>
+        </p:nvSpPr>
+        <p:spPr>
+          <a:xfrm>
+            <a:off x="3432810" y="5975985"/>
+            <a:ext cx="2011680" cy="337185"/>
+          </a:xfrm>
+          <a:prstGeom prst="rect">
+            <a:avLst/>
+          </a:prstGeom>
+          <a:noFill/>
+        </p:spPr>
+        <p:txBody>
+          <a:bodyPr wrap="none" rtlCol="0">
+            <a:spAutoFit/>
+          </a:bodyPr>
+          <a:p>
+            <a:r>
+              <a:rPr lang="zh-CN" altLang="en-US" sz="1600"/>
+              <a:t>问题的自然语言</a:t>
+            </a:r>
+            <a:r>
+              <a:rPr lang="zh-CN" altLang="en-US" sz="1600"/>
+              <a:t>描述</a:t>
+            </a:r>
+            <a:endParaRPr lang="zh-CN" altLang="en-US" sz="1600"/>
+          </a:p>
+        </p:txBody>
+      </p:sp>
+      <p:sp>
+        <p:nvSpPr>
+          <p:cNvPr id="20" name="矩形 19"/>
+          <p:cNvSpPr/>
+          <p:nvPr/>
+        </p:nvSpPr>
+        <p:spPr>
+          <a:xfrm>
+            <a:off x="7438390" y="1311275"/>
+            <a:ext cx="1909445" cy="734060"/>
+          </a:xfrm>
+          <a:prstGeom prst="rect">
+            <a:avLst/>
+          </a:prstGeom>
+          <a:noFill/>
+        </p:spPr>
+        <p:style>
+          <a:lnRef idx="2">
+            <a:schemeClr val="accent1">
+              <a:shade val="50000"/>
+            </a:schemeClr>
+          </a:lnRef>
+          <a:fillRef idx="1">
+            <a:schemeClr val="accent1"/>
+          </a:fillRef>
+          <a:effectRef idx="0">
+            <a:schemeClr val="accent1"/>
+          </a:effectRef>
+          <a:fontRef idx="minor">
+            <a:schemeClr val="lt1"/>
+          </a:fontRef>
+        </p:style>
+        <p:txBody>
+          <a:bodyPr rtlCol="0" anchor="ctr"/>
+          <a:p>
+            <a:pPr algn="ctr"/>
+            <a:endParaRPr lang="zh-CN" altLang="en-US"/>
+          </a:p>
+        </p:txBody>
+      </p:sp>
+      <p:sp>
+        <p:nvSpPr>
+          <p:cNvPr id="21" name="文本框 20"/>
+          <p:cNvSpPr txBox="1"/>
+          <p:nvPr/>
+        </p:nvSpPr>
+        <p:spPr>
+          <a:xfrm>
+            <a:off x="7892415" y="1523365"/>
+            <a:ext cx="995680" cy="337185"/>
+          </a:xfrm>
+          <a:prstGeom prst="rect">
+            <a:avLst/>
+          </a:prstGeom>
+          <a:noFill/>
+        </p:spPr>
+        <p:txBody>
+          <a:bodyPr wrap="none" rtlCol="0">
+            <a:spAutoFit/>
+          </a:bodyPr>
+          <a:p>
+            <a:r>
+              <a:rPr lang="zh-CN" altLang="en-US" sz="1600"/>
+              <a:t>解题</a:t>
+            </a:r>
+            <a:r>
+              <a:rPr lang="zh-CN" altLang="en-US" sz="1600"/>
+              <a:t>代码</a:t>
+            </a:r>
+            <a:endParaRPr lang="zh-CN" altLang="en-US" sz="1600"/>
+          </a:p>
+        </p:txBody>
+      </p:sp>
+      <p:sp>
+        <p:nvSpPr>
+          <p:cNvPr id="26" name="上箭头 25"/>
+          <p:cNvSpPr/>
+          <p:nvPr/>
+        </p:nvSpPr>
+        <p:spPr>
+          <a:xfrm>
+            <a:off x="8128000" y="4108450"/>
+            <a:ext cx="316230" cy="456565"/>
+          </a:xfrm>
+          <a:prstGeom prst="upArrow">
+            <a:avLst/>
+          </a:prstGeom>
+        </p:spPr>
+        <p:style>
+          <a:lnRef idx="2">
+            <a:schemeClr val="accent1">
+              <a:shade val="50000"/>
+            </a:schemeClr>
+          </a:lnRef>
+          <a:fillRef idx="1">
+            <a:schemeClr val="accent1"/>
+          </a:fillRef>
+          <a:effectRef idx="0">
+            <a:schemeClr val="accent1"/>
+          </a:effectRef>
+          <a:fontRef idx="minor">
+            <a:schemeClr val="lt1"/>
+          </a:fontRef>
+        </p:style>
+        <p:txBody>
+          <a:bodyPr rtlCol="0" anchor="ctr"/>
+          <a:p>
+            <a:pPr algn="ctr"/>
+            <a:endParaRPr lang="zh-CN" altLang="en-US"/>
+          </a:p>
+        </p:txBody>
+      </p:sp>
+      <p:sp>
+        <p:nvSpPr>
+          <p:cNvPr id="27" name="上箭头 26"/>
+          <p:cNvSpPr/>
+          <p:nvPr/>
+        </p:nvSpPr>
+        <p:spPr>
+          <a:xfrm>
+            <a:off x="8167370" y="2091055"/>
+            <a:ext cx="316230" cy="456565"/>
+          </a:xfrm>
+          <a:prstGeom prst="upArrow">
+            <a:avLst/>
+          </a:prstGeom>
+        </p:spPr>
+        <p:style>
+          <a:lnRef idx="2">
+            <a:schemeClr val="accent1">
+              <a:shade val="50000"/>
+            </a:schemeClr>
+          </a:lnRef>
+          <a:fillRef idx="1">
+            <a:schemeClr val="accent1"/>
+          </a:fillRef>
+          <a:effectRef idx="0">
+            <a:schemeClr val="accent1"/>
+          </a:effectRef>
+          <a:fontRef idx="minor">
+            <a:schemeClr val="lt1"/>
+          </a:fontRef>
+        </p:style>
+        <p:txBody>
+          <a:bodyPr rtlCol="0" anchor="ctr"/>
+          <a:p>
+            <a:pPr algn="ctr"/>
+            <a:endParaRPr lang="zh-CN" altLang="en-US"/>
+          </a:p>
+        </p:txBody>
+      </p:sp>
+      <p:sp>
+        <p:nvSpPr>
+          <p:cNvPr id="28" name="圆角矩形 27"/>
+          <p:cNvSpPr/>
+          <p:nvPr/>
+        </p:nvSpPr>
+        <p:spPr>
+          <a:xfrm>
+            <a:off x="3708400" y="3015615"/>
+            <a:ext cx="1419225" cy="336550"/>
+          </a:xfrm>
+          <a:prstGeom prst="roundRect">
+            <a:avLst/>
+          </a:prstGeom>
+        </p:spPr>
+        <p:style>
+          <a:lnRef idx="2">
+            <a:schemeClr val="accent4">
+              <a:shade val="50000"/>
+            </a:schemeClr>
+          </a:lnRef>
+          <a:fillRef idx="1">
+            <a:schemeClr val="accent4"/>
+          </a:fillRef>
+          <a:effectRef idx="0">
+            <a:schemeClr val="accent4"/>
+          </a:effectRef>
+          <a:fontRef idx="minor">
+            <a:schemeClr val="lt1"/>
+          </a:fontRef>
+        </p:style>
+        <p:txBody>
+          <a:bodyPr rtlCol="0" anchor="ctr"/>
+          <a:p>
+            <a:pPr algn="ctr"/>
+            <a:endParaRPr lang="zh-CN" altLang="en-US"/>
+          </a:p>
+        </p:txBody>
+      </p:sp>
+      <p:sp>
+        <p:nvSpPr>
+          <p:cNvPr id="29" name="文本框 28"/>
+          <p:cNvSpPr txBox="1"/>
+          <p:nvPr/>
+        </p:nvSpPr>
+        <p:spPr>
+          <a:xfrm>
+            <a:off x="3729355" y="3042285"/>
+            <a:ext cx="1419860" cy="275590"/>
+          </a:xfrm>
+          <a:prstGeom prst="rect">
+            <a:avLst/>
+          </a:prstGeom>
+          <a:noFill/>
+        </p:spPr>
+        <p:txBody>
+          <a:bodyPr wrap="none" rtlCol="0">
+            <a:spAutoFit/>
+          </a:bodyPr>
+          <a:p>
+            <a:r>
+              <a:rPr lang="en-US" altLang="zh-CN" sz="1200"/>
+              <a:t>transformer_block</a:t>
+            </a:r>
+            <a:endParaRPr lang="en-US" altLang="zh-CN" sz="1200"/>
+          </a:p>
+        </p:txBody>
+      </p:sp>
+      <p:sp>
+        <p:nvSpPr>
+          <p:cNvPr id="31" name="圆角矩形 30"/>
+          <p:cNvSpPr/>
+          <p:nvPr/>
+        </p:nvSpPr>
+        <p:spPr>
+          <a:xfrm>
+            <a:off x="7672705" y="3221355"/>
+            <a:ext cx="1419225" cy="336550"/>
+          </a:xfrm>
+          <a:prstGeom prst="roundRect">
+            <a:avLst/>
+          </a:prstGeom>
+        </p:spPr>
+        <p:style>
+          <a:lnRef idx="2">
+            <a:schemeClr val="accent4">
+              <a:shade val="50000"/>
+            </a:schemeClr>
+          </a:lnRef>
+          <a:fillRef idx="1">
+            <a:schemeClr val="accent4"/>
+          </a:fillRef>
+          <a:effectRef idx="0">
+            <a:schemeClr val="accent4"/>
+          </a:effectRef>
+          <a:fontRef idx="minor">
+            <a:schemeClr val="lt1"/>
+          </a:fontRef>
+        </p:style>
+        <p:txBody>
+          <a:bodyPr rtlCol="0" anchor="ctr"/>
+          <a:p>
+            <a:pPr algn="ctr"/>
+            <a:endParaRPr lang="zh-CN" altLang="en-US"/>
+          </a:p>
+        </p:txBody>
+      </p:sp>
+      <p:sp>
+        <p:nvSpPr>
+          <p:cNvPr id="32" name="文本框 31"/>
+          <p:cNvSpPr txBox="1"/>
+          <p:nvPr/>
+        </p:nvSpPr>
+        <p:spPr>
+          <a:xfrm>
+            <a:off x="7682865" y="3257550"/>
+            <a:ext cx="1419860" cy="275590"/>
+          </a:xfrm>
+          <a:prstGeom prst="rect">
+            <a:avLst/>
+          </a:prstGeom>
+          <a:noFill/>
+        </p:spPr>
+        <p:txBody>
+          <a:bodyPr wrap="none" rtlCol="0">
+            <a:spAutoFit/>
+          </a:bodyPr>
+          <a:p>
+            <a:r>
+              <a:rPr lang="en-US" altLang="zh-CN" sz="1200"/>
+              <a:t>transformer_block</a:t>
+            </a:r>
+            <a:endParaRPr lang="en-US" altLang="zh-CN" sz="1200"/>
+          </a:p>
+        </p:txBody>
+      </p:sp>
+      <p:sp>
+        <p:nvSpPr>
+          <p:cNvPr id="33" name="圆角矩形 32"/>
+          <p:cNvSpPr/>
+          <p:nvPr/>
+        </p:nvSpPr>
+        <p:spPr>
+          <a:xfrm>
+            <a:off x="7659370" y="2732405"/>
+            <a:ext cx="1419225" cy="336550"/>
+          </a:xfrm>
+          <a:prstGeom prst="roundRect">
+            <a:avLst/>
+          </a:prstGeom>
+        </p:spPr>
+        <p:style>
+          <a:lnRef idx="2">
+            <a:schemeClr val="accent4">
+              <a:shade val="50000"/>
+            </a:schemeClr>
+          </a:lnRef>
+          <a:fillRef idx="1">
+            <a:schemeClr val="accent4"/>
+          </a:fillRef>
+          <a:effectRef idx="0">
+            <a:schemeClr val="accent4"/>
+          </a:effectRef>
+          <a:fontRef idx="minor">
+            <a:schemeClr val="lt1"/>
+          </a:fontRef>
+        </p:style>
+        <p:txBody>
+          <a:bodyPr rtlCol="0" anchor="ctr"/>
+          <a:p>
+            <a:pPr algn="ctr"/>
+            <a:endParaRPr lang="zh-CN" altLang="en-US"/>
+          </a:p>
+        </p:txBody>
+      </p:sp>
+      <p:sp>
+        <p:nvSpPr>
+          <p:cNvPr id="34" name="文本框 33"/>
+          <p:cNvSpPr txBox="1"/>
+          <p:nvPr/>
+        </p:nvSpPr>
+        <p:spPr>
+          <a:xfrm>
+            <a:off x="7680325" y="2759075"/>
+            <a:ext cx="1419860" cy="275590"/>
+          </a:xfrm>
+          <a:prstGeom prst="rect">
+            <a:avLst/>
+          </a:prstGeom>
+          <a:noFill/>
+        </p:spPr>
+        <p:txBody>
+          <a:bodyPr wrap="none" rtlCol="0">
+            <a:spAutoFit/>
+          </a:bodyPr>
+          <a:p>
+            <a:r>
+              <a:rPr lang="en-US" altLang="zh-CN" sz="1200"/>
+              <a:t>transformer_block</a:t>
+            </a:r>
+            <a:endParaRPr lang="en-US" altLang="zh-CN" sz="1200"/>
+          </a:p>
+        </p:txBody>
+      </p:sp>
+      <p:sp>
+        <p:nvSpPr>
+          <p:cNvPr id="35" name="上箭头 34"/>
+          <p:cNvSpPr/>
+          <p:nvPr/>
+        </p:nvSpPr>
+        <p:spPr>
+          <a:xfrm>
+            <a:off x="4225925" y="5041900"/>
+            <a:ext cx="316230" cy="456565"/>
+          </a:xfrm>
+          <a:prstGeom prst="upArrow">
+            <a:avLst/>
+          </a:prstGeom>
+        </p:spPr>
+        <p:style>
+          <a:lnRef idx="2">
+            <a:schemeClr val="accent1">
+              <a:shade val="50000"/>
+            </a:schemeClr>
+          </a:lnRef>
+          <a:fillRef idx="1">
+            <a:schemeClr val="accent1"/>
+          </a:fillRef>
+          <a:effectRef idx="0">
+            <a:schemeClr val="accent1"/>
+          </a:effectRef>
+          <a:fontRef idx="minor">
+            <a:schemeClr val="lt1"/>
+          </a:fontRef>
+        </p:style>
+        <p:txBody>
+          <a:bodyPr rtlCol="0" anchor="ctr"/>
+          <a:p>
+            <a:pPr algn="ctr"/>
+            <a:endParaRPr lang="zh-CN" altLang="en-US"/>
+          </a:p>
+        </p:txBody>
+      </p:sp>
+      <p:sp>
+        <p:nvSpPr>
+          <p:cNvPr id="38" name="标题 37"/>
+          <p:cNvSpPr>
+            <a:spLocks noGrp="1"/>
+          </p:cNvSpPr>
+          <p:nvPr>
+            <p:ph type="title"/>
+          </p:nvPr>
+        </p:nvSpPr>
+        <p:spPr/>
+        <p:txBody>
+          <a:bodyPr/>
+          <a:p>
+            <a:r>
+              <a:rPr lang="zh-CN" altLang="en-US">
+                <a:sym typeface="+mn-ea"/>
+              </a:rPr>
+              <a:t>预测阶段——</a:t>
+            </a:r>
+            <a:r>
+              <a:rPr lang="en-US" altLang="zh-CN">
+                <a:sym typeface="+mn-ea"/>
+              </a:rPr>
+              <a:t>1. Large scaling sample</a:t>
+            </a:r>
+            <a:endParaRPr lang="en-US" altLang="zh-CN">
+              <a:sym typeface="+mn-ea"/>
+            </a:endParaRPr>
+          </a:p>
+        </p:txBody>
+      </p:sp>
+      <p:sp>
+        <p:nvSpPr>
+          <p:cNvPr id="39" name="文本框 38"/>
+          <p:cNvSpPr txBox="1"/>
+          <p:nvPr/>
+        </p:nvSpPr>
+        <p:spPr>
+          <a:xfrm>
+            <a:off x="6788785" y="5578475"/>
+            <a:ext cx="4732655" cy="1198880"/>
+          </a:xfrm>
+          <a:prstGeom prst="rect">
+            <a:avLst/>
+          </a:prstGeom>
+          <a:noFill/>
+        </p:spPr>
+        <p:txBody>
+          <a:bodyPr wrap="none" rtlCol="0">
+            <a:spAutoFit/>
+          </a:bodyPr>
+          <a:p>
+            <a:pPr algn="l"/>
+            <a:r>
+              <a:t>（1）⽣成Python和C++语⾔的样本各⼀半； </a:t>
+            </a:r>
+          </a:p>
+          <a:p>
+            <a:pPr algn="l"/>
+            <a:r>
+              <a:t>（2）随机组合题⽬的tag和ratings； </a:t>
+            </a:r>
+          </a:p>
+          <a:p>
+            <a:pPr algn="l"/>
+            <a:r>
+              <a:t>（3）使⽤相对⾼的softmax tempering参数</a:t>
+            </a:r>
+          </a:p>
+          <a:p>
+            <a:pPr algn="l"/>
+            <a:r>
+              <a:rPr lang="zh-CN"/>
+              <a:t>（</a:t>
+            </a:r>
+            <a:r>
+              <a:rPr lang="en-US" altLang="zh-CN"/>
+              <a:t>4</a:t>
+            </a:r>
+            <a:r>
+              <a:rPr lang="zh-CN"/>
+              <a:t>）</a:t>
+            </a:r>
+            <a:r>
+              <a:rPr lang="en-US" altLang="zh-CN"/>
+              <a:t>100</a:t>
+            </a:r>
+            <a:r>
+              <a:rPr lang="zh-CN" altLang="en-US"/>
+              <a:t>万个</a:t>
+            </a:r>
+            <a:r>
+              <a:rPr lang="en-US" altLang="zh-CN"/>
+              <a:t>samples</a:t>
+            </a:r>
+            <a:endParaRPr lang="en-US" altLang="zh-CN"/>
+          </a:p>
+        </p:txBody>
+      </p:sp>
+    </p:spTree>
+  </p:cSld>
+  <p:clrMapOvr>
+    <a:masterClrMapping/>
+  </p:clrMapOvr>
+</p:sld>
+</file>
+
+<file path=ppt/slides/slide11.xml><?xml version="1.0" encoding="utf-8"?>
+<p:sld xmlns:a="http://schemas.openxmlformats.org/drawingml/2006/main" xmlns:r="http://schemas.openxmlformats.org/officeDocument/2006/relationships" xmlns:p="http://schemas.openxmlformats.org/presentationml/2006/main">
+  <p:cSld>
+    <p:spTree>
+      <p:nvGrpSpPr>
+        <p:cNvPr id="1" name=""/>
+        <p:cNvGrpSpPr/>
+        <p:nvPr/>
+      </p:nvGrpSpPr>
+      <p:grpSpPr/>
+      <p:sp>
+        <p:nvSpPr>
+          <p:cNvPr id="38" name="标题 37"/>
+          <p:cNvSpPr>
+            <a:spLocks noGrp="1"/>
+          </p:cNvSpPr>
+          <p:nvPr>
+            <p:ph type="title"/>
+          </p:nvPr>
+        </p:nvSpPr>
+        <p:spPr/>
+        <p:txBody>
+          <a:bodyPr/>
+          <a:p>
+            <a:r>
+              <a:rPr lang="zh-CN" altLang="en-US">
+                <a:sym typeface="+mn-ea"/>
+              </a:rPr>
+              <a:t>预测阶段——</a:t>
+            </a:r>
+            <a:r>
+              <a:rPr lang="en-US" altLang="zh-CN">
+                <a:sym typeface="+mn-ea"/>
+              </a:rPr>
+              <a:t>2. Filtering</a:t>
+            </a:r>
+            <a:endParaRPr lang="en-US" altLang="zh-CN">
+              <a:sym typeface="+mn-ea"/>
+            </a:endParaRPr>
+          </a:p>
+        </p:txBody>
+      </p:sp>
+      <p:sp>
+        <p:nvSpPr>
+          <p:cNvPr id="2" name="文本框 1"/>
+          <p:cNvSpPr txBox="1"/>
+          <p:nvPr/>
+        </p:nvSpPr>
+        <p:spPr>
+          <a:xfrm>
+            <a:off x="1609725" y="3279140"/>
+            <a:ext cx="1647190" cy="368300"/>
+          </a:xfrm>
+          <a:prstGeom prst="rect">
+            <a:avLst/>
+          </a:prstGeom>
+          <a:solidFill>
+            <a:schemeClr val="accent1"/>
+          </a:solidFill>
+        </p:spPr>
+        <p:txBody>
+          <a:bodyPr wrap="none" rtlCol="0" anchor="t">
+            <a:spAutoFit/>
+          </a:bodyPr>
+          <a:p>
+            <a:pPr algn="l"/>
+            <a:r>
+              <a:rPr lang="en-US" altLang="zh-CN">
+                <a:sym typeface="+mn-ea"/>
+              </a:rPr>
+              <a:t>100</a:t>
+            </a:r>
+            <a:r>
+              <a:rPr lang="zh-CN" altLang="en-US">
+                <a:sym typeface="+mn-ea"/>
+              </a:rPr>
+              <a:t>万</a:t>
+            </a:r>
+            <a:r>
+              <a:rPr lang="en-US" altLang="zh-CN">
+                <a:sym typeface="+mn-ea"/>
+              </a:rPr>
+              <a:t>samples</a:t>
+            </a:r>
+            <a:endParaRPr lang="zh-CN" altLang="en-US"/>
+          </a:p>
+        </p:txBody>
+      </p:sp>
+      <p:sp>
+        <p:nvSpPr>
+          <p:cNvPr id="5" name="流程图: 决策 4"/>
+          <p:cNvSpPr/>
+          <p:nvPr/>
+        </p:nvSpPr>
+        <p:spPr>
+          <a:xfrm>
+            <a:off x="4586605" y="2909570"/>
+            <a:ext cx="3018790" cy="1108075"/>
+          </a:xfrm>
+          <a:prstGeom prst="flowChartDecision">
+            <a:avLst/>
+          </a:prstGeom>
+          <a:solidFill>
+            <a:schemeClr val="accent2"/>
+          </a:solidFill>
+          <a:ln>
+            <a:solidFill>
+              <a:schemeClr val="accent2"/>
+            </a:solidFill>
+          </a:ln>
+        </p:spPr>
+        <p:style>
+          <a:lnRef idx="2">
+            <a:schemeClr val="accent1">
+              <a:shade val="50000"/>
+            </a:schemeClr>
+          </a:lnRef>
+          <a:fillRef idx="1">
+            <a:schemeClr val="accent1"/>
+          </a:fillRef>
+          <a:effectRef idx="0">
+            <a:schemeClr val="accent1"/>
+          </a:effectRef>
+          <a:fontRef idx="minor">
+            <a:schemeClr val="lt1"/>
+          </a:fontRef>
+        </p:style>
+        <p:txBody>
+          <a:bodyPr rtlCol="0" anchor="ctr"/>
+          <a:p>
+            <a:pPr algn="ctr"/>
+            <a:endParaRPr lang="zh-CN" altLang="en-US"/>
+          </a:p>
+        </p:txBody>
+      </p:sp>
+      <p:sp>
+        <p:nvSpPr>
+          <p:cNvPr id="6" name="文本框 5"/>
+          <p:cNvSpPr txBox="1"/>
+          <p:nvPr/>
+        </p:nvSpPr>
+        <p:spPr>
+          <a:xfrm>
+            <a:off x="4954270" y="3279140"/>
+            <a:ext cx="2170430" cy="368300"/>
+          </a:xfrm>
+          <a:prstGeom prst="rect">
+            <a:avLst/>
+          </a:prstGeom>
+          <a:noFill/>
+        </p:spPr>
+        <p:txBody>
+          <a:bodyPr wrap="none" rtlCol="0">
+            <a:spAutoFit/>
+          </a:bodyPr>
+          <a:p>
+            <a:r>
+              <a:rPr lang="en-US" altLang="zh-CN"/>
+              <a:t>pass example test?</a:t>
+            </a:r>
+            <a:endParaRPr lang="en-US" altLang="zh-CN"/>
+          </a:p>
+        </p:txBody>
+      </p:sp>
+      <p:sp>
+        <p:nvSpPr>
+          <p:cNvPr id="12" name="文本框 11"/>
+          <p:cNvSpPr txBox="1"/>
+          <p:nvPr/>
+        </p:nvSpPr>
+        <p:spPr>
+          <a:xfrm>
+            <a:off x="8500745" y="3321685"/>
+            <a:ext cx="1609090" cy="368300"/>
+          </a:xfrm>
+          <a:prstGeom prst="rect">
+            <a:avLst/>
+          </a:prstGeom>
+          <a:solidFill>
+            <a:schemeClr val="accent1">
+              <a:lumMod val="60000"/>
+              <a:lumOff val="40000"/>
+            </a:schemeClr>
+          </a:solidFill>
+        </p:spPr>
+        <p:txBody>
+          <a:bodyPr wrap="none" rtlCol="0" anchor="t">
+            <a:spAutoFit/>
+          </a:bodyPr>
+          <a:p>
+            <a:pPr algn="l"/>
+            <a:r>
+              <a:rPr lang="en-US">
+                <a:sym typeface="+mn-ea"/>
+              </a:rPr>
+              <a:t>1000 </a:t>
+            </a:r>
+            <a:r>
+              <a:rPr lang="en-US" altLang="zh-CN">
+                <a:sym typeface="+mn-ea"/>
+              </a:rPr>
+              <a:t>samples</a:t>
+            </a:r>
+            <a:endParaRPr lang="zh-CN" altLang="en-US"/>
+          </a:p>
+        </p:txBody>
+      </p:sp>
+      <p:sp>
+        <p:nvSpPr>
+          <p:cNvPr id="13" name="右箭头 12"/>
+          <p:cNvSpPr/>
+          <p:nvPr/>
+        </p:nvSpPr>
+        <p:spPr>
+          <a:xfrm>
+            <a:off x="3806825" y="3369310"/>
+            <a:ext cx="532130" cy="189230"/>
+          </a:xfrm>
+          <a:prstGeom prst="rightArrow">
+            <a:avLst/>
+          </a:prstGeom>
+          <a:ln>
+            <a:solidFill>
+              <a:schemeClr val="accent2"/>
+            </a:solidFill>
+          </a:ln>
+        </p:spPr>
+        <p:style>
+          <a:lnRef idx="2">
+            <a:schemeClr val="accent2">
+              <a:shade val="50000"/>
+            </a:schemeClr>
+          </a:lnRef>
+          <a:fillRef idx="1">
+            <a:schemeClr val="accent2"/>
+          </a:fillRef>
+          <a:effectRef idx="0">
+            <a:schemeClr val="accent2"/>
+          </a:effectRef>
+          <a:fontRef idx="minor">
+            <a:schemeClr val="lt1"/>
+          </a:fontRef>
+        </p:style>
+        <p:txBody>
+          <a:bodyPr rtlCol="0" anchor="ctr"/>
+          <a:p>
+            <a:pPr algn="ctr"/>
+            <a:endParaRPr lang="zh-CN" altLang="en-US"/>
+          </a:p>
+        </p:txBody>
+      </p:sp>
+      <p:sp>
+        <p:nvSpPr>
+          <p:cNvPr id="14" name="右箭头 13"/>
+          <p:cNvSpPr/>
+          <p:nvPr/>
+        </p:nvSpPr>
+        <p:spPr>
+          <a:xfrm>
+            <a:off x="7781290" y="3422650"/>
+            <a:ext cx="532130" cy="189230"/>
+          </a:xfrm>
+          <a:prstGeom prst="rightArrow">
+            <a:avLst/>
+          </a:prstGeom>
+          <a:ln>
+            <a:solidFill>
+              <a:schemeClr val="accent2"/>
+            </a:solidFill>
+          </a:ln>
+        </p:spPr>
+        <p:style>
+          <a:lnRef idx="2">
+            <a:schemeClr val="accent2">
+              <a:shade val="50000"/>
+            </a:schemeClr>
+          </a:lnRef>
+          <a:fillRef idx="1">
+            <a:schemeClr val="accent2"/>
+          </a:fillRef>
+          <a:effectRef idx="0">
+            <a:schemeClr val="accent2"/>
+          </a:effectRef>
+          <a:fontRef idx="minor">
+            <a:schemeClr val="lt1"/>
+          </a:fontRef>
+        </p:style>
+        <p:txBody>
+          <a:bodyPr rtlCol="0" anchor="ctr"/>
+          <a:p>
+            <a:pPr algn="ctr"/>
+            <a:endParaRPr lang="zh-CN" altLang="en-US"/>
+          </a:p>
+        </p:txBody>
+      </p:sp>
+    </p:spTree>
+  </p:cSld>
+  <p:clrMapOvr>
+    <a:masterClrMapping/>
+  </p:clrMapOvr>
+</p:sld>
+</file>
+
+<file path=ppt/slides/slide12.xml><?xml version="1.0" encoding="utf-8"?>
+<p:sld xmlns:a="http://schemas.openxmlformats.org/drawingml/2006/main" xmlns:r="http://schemas.openxmlformats.org/officeDocument/2006/relationships" xmlns:p="http://schemas.openxmlformats.org/presentationml/2006/main">
+  <p:cSld>
+    <p:spTree>
+      <p:nvGrpSpPr>
+        <p:cNvPr id="1" name=""/>
+        <p:cNvGrpSpPr/>
+        <p:nvPr/>
+      </p:nvGrpSpPr>
+      <p:grpSpPr/>
+      <p:sp>
+        <p:nvSpPr>
+          <p:cNvPr id="32" name="矩形 31"/>
+          <p:cNvSpPr/>
+          <p:nvPr/>
+        </p:nvSpPr>
+        <p:spPr>
+          <a:xfrm>
+            <a:off x="6419850" y="1771650"/>
+            <a:ext cx="1915795" cy="2541905"/>
+          </a:xfrm>
+          <a:prstGeom prst="rect">
+            <a:avLst/>
+          </a:prstGeom>
+          <a:noFill/>
+        </p:spPr>
+        <p:style>
+          <a:lnRef idx="2">
+            <a:schemeClr val="accent1">
+              <a:shade val="50000"/>
+            </a:schemeClr>
+          </a:lnRef>
+          <a:fillRef idx="1">
+            <a:schemeClr val="accent1"/>
+          </a:fillRef>
+          <a:effectRef idx="0">
+            <a:schemeClr val="accent1"/>
+          </a:effectRef>
+          <a:fontRef idx="minor">
+            <a:schemeClr val="lt1"/>
+          </a:fontRef>
+        </p:style>
+        <p:txBody>
+          <a:bodyPr rtlCol="0" anchor="ctr"/>
+          <a:p>
+            <a:pPr algn="ctr"/>
+            <a:endParaRPr lang="zh-CN" altLang="en-US"/>
+          </a:p>
+        </p:txBody>
+      </p:sp>
+      <p:sp>
+        <p:nvSpPr>
+          <p:cNvPr id="38" name="标题 37"/>
+          <p:cNvSpPr>
+            <a:spLocks noGrp="1"/>
+          </p:cNvSpPr>
+          <p:nvPr>
+            <p:ph type="title"/>
+          </p:nvPr>
+        </p:nvSpPr>
+        <p:spPr/>
+        <p:txBody>
+          <a:bodyPr/>
+          <a:p>
+            <a:r>
+              <a:rPr lang="zh-CN" altLang="en-US">
+                <a:sym typeface="+mn-ea"/>
+              </a:rPr>
+              <a:t>预测阶段——</a:t>
+            </a:r>
+            <a:r>
+              <a:rPr lang="en-US" altLang="zh-CN">
+                <a:sym typeface="+mn-ea"/>
+              </a:rPr>
+              <a:t>3. </a:t>
+            </a:r>
+            <a:r>
+              <a:rPr lang="en-US" altLang="zh-CN">
+                <a:sym typeface="+mn-ea"/>
+              </a:rPr>
+              <a:t>Clustering</a:t>
+            </a:r>
+            <a:endParaRPr lang="en-US" altLang="zh-CN">
+              <a:sym typeface="+mn-ea"/>
+            </a:endParaRPr>
+          </a:p>
+        </p:txBody>
+      </p:sp>
+      <p:sp>
+        <p:nvSpPr>
+          <p:cNvPr id="3" name="矩形 2"/>
+          <p:cNvSpPr/>
+          <p:nvPr/>
+        </p:nvSpPr>
+        <p:spPr>
+          <a:xfrm>
+            <a:off x="3691890" y="2667635"/>
+            <a:ext cx="2045335" cy="1089025"/>
+          </a:xfrm>
+          <a:prstGeom prst="rect">
+            <a:avLst/>
+          </a:prstGeom>
+        </p:spPr>
+        <p:style>
+          <a:lnRef idx="2">
+            <a:schemeClr val="accent1">
+              <a:shade val="50000"/>
+            </a:schemeClr>
+          </a:lnRef>
+          <a:fillRef idx="1">
+            <a:schemeClr val="accent1"/>
+          </a:fillRef>
+          <a:effectRef idx="0">
+            <a:schemeClr val="accent1"/>
+          </a:effectRef>
+          <a:fontRef idx="minor">
+            <a:schemeClr val="lt1"/>
+          </a:fontRef>
+        </p:style>
+        <p:txBody>
+          <a:bodyPr rtlCol="0" anchor="ctr"/>
+          <a:p>
+            <a:pPr algn="ctr"/>
+            <a:endParaRPr lang="zh-CN" altLang="en-US"/>
+          </a:p>
+        </p:txBody>
+      </p:sp>
+      <p:sp>
+        <p:nvSpPr>
+          <p:cNvPr id="4" name="文本框 3"/>
+          <p:cNvSpPr txBox="1"/>
+          <p:nvPr/>
+        </p:nvSpPr>
+        <p:spPr>
+          <a:xfrm>
+            <a:off x="3905250" y="3058160"/>
+            <a:ext cx="1554480" cy="368300"/>
+          </a:xfrm>
+          <a:prstGeom prst="rect">
+            <a:avLst/>
+          </a:prstGeom>
+          <a:noFill/>
+        </p:spPr>
+        <p:txBody>
+          <a:bodyPr wrap="none" rtlCol="0">
+            <a:spAutoFit/>
+          </a:bodyPr>
+          <a:p>
+            <a:r>
+              <a:rPr lang="en-US" altLang="zh-CN"/>
+              <a:t>transformer 2</a:t>
+            </a:r>
+            <a:endParaRPr lang="en-US" altLang="zh-CN"/>
+          </a:p>
+        </p:txBody>
+      </p:sp>
+      <p:sp>
+        <p:nvSpPr>
+          <p:cNvPr id="7" name="矩形 6"/>
+          <p:cNvSpPr/>
+          <p:nvPr/>
+        </p:nvSpPr>
+        <p:spPr>
+          <a:xfrm>
+            <a:off x="613410" y="2480945"/>
+            <a:ext cx="2351405" cy="1443990"/>
+          </a:xfrm>
+          <a:prstGeom prst="rect">
+            <a:avLst/>
+          </a:prstGeom>
+          <a:noFill/>
+        </p:spPr>
+        <p:style>
+          <a:lnRef idx="2">
+            <a:schemeClr val="accent1">
+              <a:shade val="50000"/>
+            </a:schemeClr>
+          </a:lnRef>
+          <a:fillRef idx="1">
+            <a:schemeClr val="accent1"/>
+          </a:fillRef>
+          <a:effectRef idx="0">
+            <a:schemeClr val="accent1"/>
+          </a:effectRef>
+          <a:fontRef idx="minor">
+            <a:schemeClr val="lt1"/>
+          </a:fontRef>
+        </p:style>
+        <p:txBody>
+          <a:bodyPr rtlCol="0" anchor="ctr"/>
+          <a:p>
+            <a:pPr algn="ctr"/>
+            <a:endParaRPr lang="zh-CN" altLang="en-US"/>
+          </a:p>
+        </p:txBody>
+      </p:sp>
+      <p:sp>
+        <p:nvSpPr>
+          <p:cNvPr id="8" name="文本框 7"/>
+          <p:cNvSpPr txBox="1"/>
+          <p:nvPr/>
+        </p:nvSpPr>
+        <p:spPr>
+          <a:xfrm>
+            <a:off x="708025" y="2999105"/>
+            <a:ext cx="2351405" cy="368300"/>
+          </a:xfrm>
+          <a:prstGeom prst="rect">
+            <a:avLst/>
+          </a:prstGeom>
+          <a:noFill/>
+        </p:spPr>
+        <p:txBody>
+          <a:bodyPr wrap="square" rtlCol="0">
+            <a:spAutoFit/>
+          </a:bodyPr>
+          <a:p>
+            <a:r>
+              <a:rPr lang="zh-CN" altLang="en-US"/>
+              <a:t>问题的自然语言描述</a:t>
+            </a:r>
+            <a:endParaRPr lang="zh-CN" altLang="en-US"/>
+          </a:p>
+        </p:txBody>
+      </p:sp>
+      <p:sp>
+        <p:nvSpPr>
+          <p:cNvPr id="10" name="文本框 9"/>
+          <p:cNvSpPr txBox="1"/>
+          <p:nvPr/>
+        </p:nvSpPr>
+        <p:spPr>
+          <a:xfrm>
+            <a:off x="6690995" y="2070100"/>
+            <a:ext cx="1265555" cy="368300"/>
+          </a:xfrm>
+          <a:prstGeom prst="rect">
+            <a:avLst/>
+          </a:prstGeom>
+          <a:noFill/>
+          <a:ln w="12700" cmpd="sng">
+            <a:solidFill>
+              <a:schemeClr val="accent1">
+                <a:shade val="50000"/>
+              </a:schemeClr>
+            </a:solidFill>
+            <a:prstDash val="solid"/>
+          </a:ln>
+        </p:spPr>
+        <p:txBody>
+          <a:bodyPr wrap="none" rtlCol="0">
+            <a:spAutoFit/>
+          </a:bodyPr>
+          <a:p>
+            <a:r>
+              <a:rPr lang="en-US" altLang="zh-CN"/>
+              <a:t>test input1</a:t>
+            </a:r>
+            <a:endParaRPr lang="en-US" altLang="zh-CN"/>
+          </a:p>
+        </p:txBody>
+      </p:sp>
+      <p:sp>
+        <p:nvSpPr>
+          <p:cNvPr id="11" name="右箭头 10"/>
+          <p:cNvSpPr/>
+          <p:nvPr/>
+        </p:nvSpPr>
+        <p:spPr>
+          <a:xfrm>
+            <a:off x="3094990" y="3058160"/>
+            <a:ext cx="437515" cy="212725"/>
+          </a:xfrm>
+          <a:prstGeom prst="rightArrow">
+            <a:avLst/>
+          </a:prstGeom>
+        </p:spPr>
+        <p:style>
+          <a:lnRef idx="2">
+            <a:schemeClr val="accent1">
+              <a:shade val="50000"/>
+            </a:schemeClr>
+          </a:lnRef>
+          <a:fillRef idx="1">
+            <a:schemeClr val="accent1"/>
+          </a:fillRef>
+          <a:effectRef idx="0">
+            <a:schemeClr val="accent1"/>
+          </a:effectRef>
+          <a:fontRef idx="minor">
+            <a:schemeClr val="lt1"/>
+          </a:fontRef>
+        </p:style>
+        <p:txBody>
+          <a:bodyPr rtlCol="0" anchor="ctr"/>
+          <a:p>
+            <a:pPr algn="ctr"/>
+            <a:endParaRPr lang="zh-CN" altLang="en-US"/>
+          </a:p>
+        </p:txBody>
+      </p:sp>
+      <p:sp>
+        <p:nvSpPr>
+          <p:cNvPr id="15" name="右箭头 14"/>
+          <p:cNvSpPr/>
+          <p:nvPr/>
+        </p:nvSpPr>
+        <p:spPr>
+          <a:xfrm>
+            <a:off x="5916295" y="3073400"/>
+            <a:ext cx="437515" cy="212725"/>
+          </a:xfrm>
+          <a:prstGeom prst="rightArrow">
+            <a:avLst/>
+          </a:prstGeom>
+        </p:spPr>
+        <p:style>
+          <a:lnRef idx="2">
+            <a:schemeClr val="accent1">
+              <a:shade val="50000"/>
+            </a:schemeClr>
+          </a:lnRef>
+          <a:fillRef idx="1">
+            <a:schemeClr val="accent1"/>
+          </a:fillRef>
+          <a:effectRef idx="0">
+            <a:schemeClr val="accent1"/>
+          </a:effectRef>
+          <a:fontRef idx="minor">
+            <a:schemeClr val="lt1"/>
+          </a:fontRef>
+        </p:style>
+        <p:txBody>
+          <a:bodyPr rtlCol="0" anchor="ctr"/>
+          <a:p>
+            <a:pPr algn="ctr"/>
+            <a:endParaRPr lang="zh-CN" altLang="en-US"/>
+          </a:p>
+        </p:txBody>
+      </p:sp>
+      <p:sp>
+        <p:nvSpPr>
+          <p:cNvPr id="16" name="流程图: 决策 15"/>
+          <p:cNvSpPr/>
+          <p:nvPr/>
+        </p:nvSpPr>
+        <p:spPr>
+          <a:xfrm>
+            <a:off x="8991600" y="2599055"/>
+            <a:ext cx="2907665" cy="1325880"/>
+          </a:xfrm>
+          <a:prstGeom prst="flowChartDecision">
+            <a:avLst/>
+          </a:prstGeom>
+        </p:spPr>
+        <p:style>
+          <a:lnRef idx="2">
+            <a:schemeClr val="accent1">
+              <a:shade val="50000"/>
+            </a:schemeClr>
+          </a:lnRef>
+          <a:fillRef idx="1">
+            <a:schemeClr val="accent1"/>
+          </a:fillRef>
+          <a:effectRef idx="0">
+            <a:schemeClr val="accent1"/>
+          </a:effectRef>
+          <a:fontRef idx="minor">
+            <a:schemeClr val="lt1"/>
+          </a:fontRef>
+        </p:style>
+        <p:txBody>
+          <a:bodyPr rtlCol="0" anchor="ctr"/>
+          <a:p>
+            <a:pPr algn="ctr"/>
+            <a:r>
+              <a:rPr lang="en-US" altLang="zh-CN">
+                <a:solidFill>
+                  <a:schemeClr val="tx1"/>
+                </a:solidFill>
+              </a:rPr>
+              <a:t>similary on test ouput ?</a:t>
+            </a:r>
+            <a:endParaRPr lang="en-US" altLang="zh-CN">
+              <a:solidFill>
+                <a:schemeClr val="tx1"/>
+              </a:solidFill>
+            </a:endParaRPr>
+          </a:p>
+        </p:txBody>
+      </p:sp>
+      <p:sp>
+        <p:nvSpPr>
+          <p:cNvPr id="18" name="文本框 17"/>
+          <p:cNvSpPr txBox="1"/>
+          <p:nvPr/>
+        </p:nvSpPr>
+        <p:spPr>
+          <a:xfrm>
+            <a:off x="9653905" y="1403350"/>
+            <a:ext cx="1609090" cy="368300"/>
+          </a:xfrm>
+          <a:prstGeom prst="rect">
+            <a:avLst/>
+          </a:prstGeom>
+          <a:solidFill>
+            <a:schemeClr val="accent1">
+              <a:lumMod val="60000"/>
+              <a:lumOff val="40000"/>
+            </a:schemeClr>
+          </a:solidFill>
+        </p:spPr>
+        <p:txBody>
+          <a:bodyPr wrap="none" rtlCol="0" anchor="t">
+            <a:spAutoFit/>
+          </a:bodyPr>
+          <a:p>
+            <a:pPr algn="l"/>
+            <a:r>
+              <a:rPr lang="en-US">
+                <a:sym typeface="+mn-ea"/>
+              </a:rPr>
+              <a:t>1000 </a:t>
+            </a:r>
+            <a:r>
+              <a:rPr lang="en-US" altLang="zh-CN">
+                <a:sym typeface="+mn-ea"/>
+              </a:rPr>
+              <a:t>samples</a:t>
+            </a:r>
+            <a:endParaRPr lang="zh-CN" altLang="en-US"/>
+          </a:p>
+        </p:txBody>
+      </p:sp>
+      <p:sp>
+        <p:nvSpPr>
+          <p:cNvPr id="23" name="下箭头 22"/>
+          <p:cNvSpPr/>
+          <p:nvPr/>
+        </p:nvSpPr>
+        <p:spPr>
+          <a:xfrm>
+            <a:off x="10338435" y="2070100"/>
+            <a:ext cx="212725" cy="330835"/>
+          </a:xfrm>
+          <a:prstGeom prst="downArrow">
+            <a:avLst/>
+          </a:prstGeom>
+        </p:spPr>
+        <p:style>
+          <a:lnRef idx="2">
+            <a:schemeClr val="accent1">
+              <a:shade val="50000"/>
+            </a:schemeClr>
+          </a:lnRef>
+          <a:fillRef idx="1">
+            <a:schemeClr val="accent1"/>
+          </a:fillRef>
+          <a:effectRef idx="0">
+            <a:schemeClr val="accent1"/>
+          </a:effectRef>
+          <a:fontRef idx="minor">
+            <a:schemeClr val="lt1"/>
+          </a:fontRef>
+        </p:style>
+        <p:txBody>
+          <a:bodyPr rtlCol="0" anchor="ctr"/>
+          <a:p>
+            <a:pPr algn="ctr"/>
+            <a:endParaRPr lang="zh-CN" altLang="en-US"/>
+          </a:p>
+        </p:txBody>
+      </p:sp>
+      <p:sp>
+        <p:nvSpPr>
+          <p:cNvPr id="24" name="文本框 23"/>
+          <p:cNvSpPr txBox="1"/>
+          <p:nvPr/>
+        </p:nvSpPr>
+        <p:spPr>
+          <a:xfrm>
+            <a:off x="9768840" y="6209665"/>
+            <a:ext cx="1355090" cy="368300"/>
+          </a:xfrm>
+          <a:prstGeom prst="rect">
+            <a:avLst/>
+          </a:prstGeom>
+          <a:solidFill>
+            <a:schemeClr val="accent1">
+              <a:lumMod val="20000"/>
+              <a:lumOff val="80000"/>
+            </a:schemeClr>
+          </a:solidFill>
+        </p:spPr>
+        <p:txBody>
+          <a:bodyPr wrap="none" rtlCol="0" anchor="t">
+            <a:spAutoFit/>
+          </a:bodyPr>
+          <a:p>
+            <a:pPr algn="l"/>
+            <a:r>
+              <a:rPr lang="en-US">
+                <a:sym typeface="+mn-ea"/>
+              </a:rPr>
+              <a:t>10 </a:t>
+            </a:r>
+            <a:r>
+              <a:rPr lang="en-US" altLang="zh-CN">
+                <a:sym typeface="+mn-ea"/>
+              </a:rPr>
+              <a:t>samples</a:t>
+            </a:r>
+            <a:endParaRPr lang="zh-CN" altLang="en-US"/>
+          </a:p>
+        </p:txBody>
+      </p:sp>
+      <p:sp>
+        <p:nvSpPr>
+          <p:cNvPr id="29" name="文本框 28"/>
+          <p:cNvSpPr txBox="1"/>
+          <p:nvPr/>
+        </p:nvSpPr>
+        <p:spPr>
+          <a:xfrm>
+            <a:off x="6690995" y="2651760"/>
+            <a:ext cx="1265555" cy="368300"/>
+          </a:xfrm>
+          <a:prstGeom prst="rect">
+            <a:avLst/>
+          </a:prstGeom>
+          <a:noFill/>
+          <a:ln w="12700" cmpd="sng">
+            <a:solidFill>
+              <a:schemeClr val="accent1">
+                <a:shade val="50000"/>
+              </a:schemeClr>
+            </a:solidFill>
+            <a:prstDash val="solid"/>
+          </a:ln>
+        </p:spPr>
+        <p:txBody>
+          <a:bodyPr wrap="none" rtlCol="0">
+            <a:spAutoFit/>
+          </a:bodyPr>
+          <a:p>
+            <a:r>
+              <a:rPr lang="en-US" altLang="zh-CN"/>
+              <a:t>test input2</a:t>
+            </a:r>
+            <a:endParaRPr lang="en-US" altLang="zh-CN"/>
+          </a:p>
+        </p:txBody>
+      </p:sp>
+      <p:sp>
+        <p:nvSpPr>
+          <p:cNvPr id="30" name="文本框 29"/>
+          <p:cNvSpPr txBox="1"/>
+          <p:nvPr/>
+        </p:nvSpPr>
+        <p:spPr>
+          <a:xfrm>
+            <a:off x="6690995" y="3204210"/>
+            <a:ext cx="1265555" cy="368300"/>
+          </a:xfrm>
+          <a:prstGeom prst="rect">
+            <a:avLst/>
+          </a:prstGeom>
+          <a:noFill/>
+          <a:ln w="12700" cmpd="sng">
+            <a:solidFill>
+              <a:schemeClr val="accent1">
+                <a:shade val="50000"/>
+              </a:schemeClr>
+            </a:solidFill>
+            <a:prstDash val="solid"/>
+          </a:ln>
+        </p:spPr>
+        <p:txBody>
+          <a:bodyPr wrap="none" rtlCol="0">
+            <a:spAutoFit/>
+          </a:bodyPr>
+          <a:p>
+            <a:r>
+              <a:rPr lang="en-US" altLang="zh-CN"/>
+              <a:t>test input3</a:t>
+            </a:r>
+            <a:endParaRPr lang="en-US" altLang="zh-CN"/>
+          </a:p>
+        </p:txBody>
+      </p:sp>
+      <p:sp>
+        <p:nvSpPr>
+          <p:cNvPr id="31" name="文本框 30"/>
+          <p:cNvSpPr txBox="1"/>
+          <p:nvPr/>
+        </p:nvSpPr>
+        <p:spPr>
+          <a:xfrm>
+            <a:off x="6690995" y="3756660"/>
+            <a:ext cx="500380" cy="368300"/>
+          </a:xfrm>
+          <a:prstGeom prst="rect">
+            <a:avLst/>
+          </a:prstGeom>
+          <a:noFill/>
+          <a:ln w="12700" cmpd="sng">
+            <a:solidFill>
+              <a:schemeClr val="accent1">
+                <a:shade val="50000"/>
+              </a:schemeClr>
+            </a:solidFill>
+            <a:prstDash val="solid"/>
+          </a:ln>
+        </p:spPr>
+        <p:txBody>
+          <a:bodyPr wrap="none" rtlCol="0">
+            <a:spAutoFit/>
+          </a:bodyPr>
+          <a:p>
+            <a:r>
+              <a:rPr lang="en-US" altLang="zh-CN"/>
+              <a:t>.....</a:t>
+            </a:r>
+            <a:endParaRPr lang="en-US" altLang="zh-CN"/>
+          </a:p>
+        </p:txBody>
+      </p:sp>
+      <p:sp>
+        <p:nvSpPr>
+          <p:cNvPr id="35" name="流程图: 决策 34"/>
+          <p:cNvSpPr/>
+          <p:nvPr/>
+        </p:nvSpPr>
+        <p:spPr>
+          <a:xfrm>
+            <a:off x="8922385" y="4403725"/>
+            <a:ext cx="3044825" cy="1326515"/>
+          </a:xfrm>
+          <a:prstGeom prst="flowChartDecision">
+            <a:avLst/>
+          </a:prstGeom>
+        </p:spPr>
+        <p:style>
+          <a:lnRef idx="2">
+            <a:schemeClr val="accent1">
+              <a:shade val="50000"/>
+            </a:schemeClr>
+          </a:lnRef>
+          <a:fillRef idx="1">
+            <a:schemeClr val="accent1"/>
+          </a:fillRef>
+          <a:effectRef idx="0">
+            <a:schemeClr val="accent1"/>
+          </a:effectRef>
+          <a:fontRef idx="minor">
+            <a:schemeClr val="lt1"/>
+          </a:fontRef>
+        </p:style>
+        <p:txBody>
+          <a:bodyPr rtlCol="0" anchor="ctr"/>
+          <a:p>
+            <a:pPr algn="ctr"/>
+            <a:r>
+              <a:rPr lang="en-US" altLang="zh-CN">
+                <a:solidFill>
+                  <a:schemeClr val="tx1"/>
+                </a:solidFill>
+              </a:rPr>
+              <a:t>select one sample one by one</a:t>
+            </a:r>
+            <a:endParaRPr lang="en-US" altLang="zh-CN">
+              <a:solidFill>
+                <a:schemeClr val="tx1"/>
+              </a:solidFill>
+            </a:endParaRPr>
+          </a:p>
+        </p:txBody>
+      </p:sp>
+      <p:sp>
+        <p:nvSpPr>
+          <p:cNvPr id="36" name="下箭头 35"/>
+          <p:cNvSpPr/>
+          <p:nvPr/>
+        </p:nvSpPr>
+        <p:spPr>
+          <a:xfrm>
+            <a:off x="10339705" y="3999230"/>
+            <a:ext cx="212725" cy="330835"/>
+          </a:xfrm>
+          <a:prstGeom prst="downArrow">
+            <a:avLst/>
+          </a:prstGeom>
+        </p:spPr>
+        <p:style>
+          <a:lnRef idx="2">
+            <a:schemeClr val="accent1">
+              <a:shade val="50000"/>
+            </a:schemeClr>
+          </a:lnRef>
+          <a:fillRef idx="1">
+            <a:schemeClr val="accent1"/>
+          </a:fillRef>
+          <a:effectRef idx="0">
+            <a:schemeClr val="accent1"/>
+          </a:effectRef>
+          <a:fontRef idx="minor">
+            <a:schemeClr val="lt1"/>
+          </a:fontRef>
+        </p:style>
+        <p:txBody>
+          <a:bodyPr rtlCol="0" anchor="ctr"/>
+          <a:p>
+            <a:pPr algn="ctr"/>
+            <a:endParaRPr lang="zh-CN" altLang="en-US"/>
+          </a:p>
+        </p:txBody>
+      </p:sp>
+      <p:sp>
+        <p:nvSpPr>
+          <p:cNvPr id="37" name="下箭头 36"/>
+          <p:cNvSpPr/>
+          <p:nvPr/>
+        </p:nvSpPr>
+        <p:spPr>
+          <a:xfrm>
+            <a:off x="10339705" y="5804535"/>
+            <a:ext cx="212725" cy="330835"/>
+          </a:xfrm>
+          <a:prstGeom prst="downArrow">
+            <a:avLst/>
+          </a:prstGeom>
+        </p:spPr>
+        <p:style>
+          <a:lnRef idx="2">
+            <a:schemeClr val="accent1">
+              <a:shade val="50000"/>
+            </a:schemeClr>
+          </a:lnRef>
+          <a:fillRef idx="1">
+            <a:schemeClr val="accent1"/>
+          </a:fillRef>
+          <a:effectRef idx="0">
+            <a:schemeClr val="accent1"/>
+          </a:effectRef>
+          <a:fontRef idx="minor">
+            <a:schemeClr val="lt1"/>
+          </a:fontRef>
+        </p:style>
+        <p:txBody>
+          <a:bodyPr rtlCol="0" anchor="ctr"/>
+          <a:p>
+            <a:pPr algn="ctr"/>
+            <a:endParaRPr lang="zh-CN" altLang="en-US"/>
+          </a:p>
+        </p:txBody>
+      </p:sp>
+      <p:sp>
+        <p:nvSpPr>
+          <p:cNvPr id="39" name="右箭头 38"/>
+          <p:cNvSpPr/>
+          <p:nvPr/>
+        </p:nvSpPr>
+        <p:spPr>
+          <a:xfrm>
+            <a:off x="8444865" y="3154680"/>
+            <a:ext cx="437515" cy="212725"/>
+          </a:xfrm>
+          <a:prstGeom prst="rightArrow">
+            <a:avLst/>
+          </a:prstGeom>
+        </p:spPr>
+        <p:style>
+          <a:lnRef idx="2">
+            <a:schemeClr val="accent1">
+              <a:shade val="50000"/>
+            </a:schemeClr>
+          </a:lnRef>
+          <a:fillRef idx="1">
+            <a:schemeClr val="accent1"/>
+          </a:fillRef>
+          <a:effectRef idx="0">
+            <a:schemeClr val="accent1"/>
+          </a:effectRef>
+          <a:fontRef idx="minor">
+            <a:schemeClr val="lt1"/>
+          </a:fontRef>
+        </p:style>
+        <p:txBody>
+          <a:bodyPr rtlCol="0" anchor="ctr"/>
+          <a:p>
+            <a:pPr algn="ctr"/>
+            <a:endParaRPr lang="zh-CN" altLang="en-US"/>
+          </a:p>
+        </p:txBody>
+      </p:sp>
+      <p:sp>
+        <p:nvSpPr>
+          <p:cNvPr id="40" name="文本框 39"/>
+          <p:cNvSpPr txBox="1"/>
+          <p:nvPr/>
+        </p:nvSpPr>
+        <p:spPr>
+          <a:xfrm>
+            <a:off x="551180" y="6209665"/>
+            <a:ext cx="8262620" cy="368300"/>
+          </a:xfrm>
+          <a:prstGeom prst="rect">
+            <a:avLst/>
+          </a:prstGeom>
+          <a:solidFill>
+            <a:schemeClr val="accent2"/>
+          </a:solidFill>
+        </p:spPr>
+        <p:txBody>
+          <a:bodyPr wrap="none" rtlCol="0">
+            <a:spAutoFit/>
+          </a:bodyPr>
+          <a:p>
+            <a:pPr algn="l"/>
+            <a:r>
+              <a:rPr lang="zh-CN" altLang="en-US"/>
+              <a:t>验证时，如果这10个sample中有⼀个通过了所有的hidden test，即</a:t>
+            </a:r>
+            <a:r>
+              <a:rPr lang="zh-CN" altLang="en-US"/>
+              <a:t>为成功</a:t>
+            </a:r>
+            <a:r>
+              <a:rPr lang="zh-CN" altLang="en-US"/>
+              <a:t>解题！</a:t>
+            </a:r>
+            <a:endParaRPr lang="zh-CN" altLang="en-US"/>
+          </a:p>
+        </p:txBody>
+      </p:sp>
+      <p:sp>
+        <p:nvSpPr>
+          <p:cNvPr id="42" name="左箭头 41"/>
+          <p:cNvSpPr/>
+          <p:nvPr/>
+        </p:nvSpPr>
+        <p:spPr>
+          <a:xfrm>
+            <a:off x="8996680" y="6296660"/>
+            <a:ext cx="555625" cy="212725"/>
+          </a:xfrm>
+          <a:prstGeom prst="leftArrow">
+            <a:avLst/>
+          </a:prstGeom>
+          <a:solidFill>
+            <a:srgbClr val="FF8D41"/>
+          </a:solidFill>
+          <a:ln>
+            <a:solidFill>
+              <a:srgbClr val="FF8D41"/>
+            </a:solidFill>
+          </a:ln>
+        </p:spPr>
+        <p:style>
+          <a:lnRef idx="2">
+            <a:schemeClr val="accent1">
+              <a:shade val="50000"/>
+            </a:schemeClr>
+          </a:lnRef>
+          <a:fillRef idx="1">
+            <a:schemeClr val="accent1"/>
+          </a:fillRef>
+          <a:effectRef idx="0">
+            <a:schemeClr val="accent1"/>
+          </a:effectRef>
+          <a:fontRef idx="minor">
+            <a:schemeClr val="lt1"/>
+          </a:fontRef>
+        </p:style>
+        <p:txBody>
+          <a:bodyPr rtlCol="0" anchor="ctr"/>
+          <a:p>
+            <a:pPr algn="ctr"/>
+            <a:endParaRPr lang="zh-CN" altLang="en-US"/>
+          </a:p>
+        </p:txBody>
+      </p:sp>
+    </p:spTree>
+  </p:cSld>
+  <p:clrMapOvr>
+    <a:masterClrMapping/>
+  </p:clrMapOvr>
+</p:sld>
+</file>
+
 <file path=ppt/slides/slide2.xml><?xml version="1.0" encoding="utf-8"?>
 <p:sld xmlns:a="http://schemas.openxmlformats.org/drawingml/2006/main" xmlns:r="http://schemas.openxmlformats.org/officeDocument/2006/relationships" xmlns:p="http://schemas.openxmlformats.org/presentationml/2006/main">
   <p:cSld>
@@ -3792,6 +5854,1843 @@
       <p:grpSpPr/>
       <p:sp>
         <p:nvSpPr>
+          <p:cNvPr id="3" name="内容占位符 2"/>
+          <p:cNvSpPr>
+            <a:spLocks noGrp="1"/>
+          </p:cNvSpPr>
+          <p:nvPr>
+            <p:ph idx="1"/>
+          </p:nvPr>
+        </p:nvSpPr>
+        <p:spPr>
+          <a:xfrm>
+            <a:off x="647700" y="1584325"/>
+            <a:ext cx="10515600" cy="4351338"/>
+          </a:xfrm>
+        </p:spPr>
+        <p:txBody>
+          <a:bodyPr/>
+          <a:p>
+            <a:r>
+              <a:rPr lang="zh-CN" altLang="en-US"/>
+              <a:t>总体基于</a:t>
+            </a:r>
+            <a:r>
+              <a:rPr lang="en-US" altLang="zh-CN"/>
+              <a:t>transformer</a:t>
+            </a:r>
+            <a:r>
+              <a:rPr lang="zh-CN" altLang="en-US"/>
+              <a:t>的</a:t>
+            </a:r>
+            <a:r>
+              <a:rPr lang="en-US" altLang="zh-CN"/>
+              <a:t>seq2seq</a:t>
+            </a:r>
+            <a:r>
+              <a:rPr lang="zh-CN" altLang="en-US"/>
+              <a:t>模型</a:t>
+            </a:r>
+            <a:endParaRPr lang="zh-CN" altLang="en-US"/>
+          </a:p>
+          <a:p>
+            <a:endParaRPr lang="zh-CN" altLang="en-US"/>
+          </a:p>
+          <a:p>
+            <a:r>
+              <a:rPr lang="en-US" altLang="zh-CN"/>
+              <a:t>encoder</a:t>
+            </a:r>
+            <a:r>
+              <a:rPr lang="zh-CN" altLang="en-US"/>
+              <a:t>用的</a:t>
+            </a:r>
+            <a:r>
+              <a:rPr lang="en-US" altLang="zh-CN"/>
+              <a:t>transformer</a:t>
+            </a:r>
+            <a:r>
+              <a:rPr lang="zh-CN" altLang="en-US"/>
+              <a:t>层数比</a:t>
+            </a:r>
+            <a:r>
+              <a:rPr lang="en-US" altLang="zh-CN"/>
+              <a:t>decoder</a:t>
+            </a:r>
+            <a:r>
+              <a:rPr lang="zh-CN" altLang="en-US"/>
+              <a:t>要少得多</a:t>
+            </a:r>
+            <a:endParaRPr lang="zh-CN" altLang="en-US"/>
+          </a:p>
+          <a:p>
+            <a:endParaRPr lang="en-US" altLang="zh-CN"/>
+          </a:p>
+          <a:p>
+            <a:r>
+              <a:rPr lang="en-US" altLang="zh-CN"/>
+              <a:t> “Using a full set of query heads but sharing key and value heads per attention block significantly reduces memory usage and cache update costs...”</a:t>
+            </a:r>
+            <a:endParaRPr lang="zh-CN" altLang="en-US"/>
+          </a:p>
+        </p:txBody>
+      </p:sp>
+      <p:pic>
+        <p:nvPicPr>
+          <p:cNvPr id="5" name="图片 4"/>
+          <p:cNvPicPr>
+            <a:picLocks noChangeAspect="1"/>
+          </p:cNvPicPr>
+          <p:nvPr/>
+        </p:nvPicPr>
+        <p:blipFill>
+          <a:blip r:embed="rId1"/>
+          <a:stretch>
+            <a:fillRect/>
+          </a:stretch>
+        </p:blipFill>
+        <p:spPr>
+          <a:xfrm>
+            <a:off x="3505200" y="5141595"/>
+            <a:ext cx="5707380" cy="1638300"/>
+          </a:xfrm>
+          <a:prstGeom prst="rect">
+            <a:avLst/>
+          </a:prstGeom>
+        </p:spPr>
+      </p:pic>
+      <p:sp>
+        <p:nvSpPr>
+          <p:cNvPr id="4" name="标题 3"/>
+          <p:cNvSpPr/>
+          <p:nvPr>
+            <p:ph type="title"/>
+          </p:nvPr>
+        </p:nvSpPr>
+        <p:spPr/>
+        <p:txBody>
+          <a:bodyPr/>
+          <a:p>
+            <a:endParaRPr lang="zh-CN" altLang="en-US"/>
+          </a:p>
+        </p:txBody>
+      </p:sp>
+    </p:spTree>
+  </p:cSld>
+  <p:clrMapOvr>
+    <a:masterClrMapping/>
+  </p:clrMapOvr>
+</p:sld>
+</file>
+
+<file path=ppt/slides/slide5.xml><?xml version="1.0" encoding="utf-8"?>
+<p:sld xmlns:a="http://schemas.openxmlformats.org/drawingml/2006/main" xmlns:r="http://schemas.openxmlformats.org/officeDocument/2006/relationships" xmlns:p="http://schemas.openxmlformats.org/presentationml/2006/main">
+  <p:cSld>
+    <p:spTree>
+      <p:nvGrpSpPr>
+        <p:cNvPr id="1" name=""/>
+        <p:cNvGrpSpPr/>
+        <p:nvPr/>
+      </p:nvGrpSpPr>
+      <p:grpSpPr/>
+      <p:sp>
+        <p:nvSpPr>
+          <p:cNvPr id="4" name="矩形 3"/>
+          <p:cNvSpPr/>
+          <p:nvPr/>
+        </p:nvSpPr>
+        <p:spPr>
+          <a:xfrm>
+            <a:off x="2792730" y="2435860"/>
+            <a:ext cx="1887855" cy="1326515"/>
+          </a:xfrm>
+          <a:prstGeom prst="rect">
+            <a:avLst/>
+          </a:prstGeom>
+        </p:spPr>
+        <p:style>
+          <a:lnRef idx="2">
+            <a:schemeClr val="accent1">
+              <a:shade val="50000"/>
+            </a:schemeClr>
+          </a:lnRef>
+          <a:fillRef idx="1">
+            <a:schemeClr val="accent1"/>
+          </a:fillRef>
+          <a:effectRef idx="0">
+            <a:schemeClr val="accent1"/>
+          </a:effectRef>
+          <a:fontRef idx="minor">
+            <a:schemeClr val="lt1"/>
+          </a:fontRef>
+        </p:style>
+        <p:txBody>
+          <a:bodyPr rtlCol="0" anchor="ctr"/>
+          <a:p>
+            <a:pPr algn="ctr"/>
+            <a:endParaRPr lang="zh-CN" altLang="en-US"/>
+          </a:p>
+        </p:txBody>
+      </p:sp>
+      <p:sp>
+        <p:nvSpPr>
+          <p:cNvPr id="7" name="文本框 6"/>
+          <p:cNvSpPr txBox="1"/>
+          <p:nvPr/>
+        </p:nvSpPr>
+        <p:spPr>
+          <a:xfrm>
+            <a:off x="3582035" y="3340735"/>
+            <a:ext cx="1020445" cy="368300"/>
+          </a:xfrm>
+          <a:prstGeom prst="rect">
+            <a:avLst/>
+          </a:prstGeom>
+          <a:noFill/>
+        </p:spPr>
+        <p:txBody>
+          <a:bodyPr wrap="none" rtlCol="0">
+            <a:spAutoFit/>
+          </a:bodyPr>
+          <a:p>
+            <a:r>
+              <a:rPr lang="en-US" altLang="zh-CN"/>
+              <a:t>encoder</a:t>
+            </a:r>
+            <a:endParaRPr lang="en-US" altLang="zh-CN"/>
+          </a:p>
+        </p:txBody>
+      </p:sp>
+      <p:sp>
+        <p:nvSpPr>
+          <p:cNvPr id="9" name="矩形 8"/>
+          <p:cNvSpPr/>
+          <p:nvPr/>
+        </p:nvSpPr>
+        <p:spPr>
+          <a:xfrm>
+            <a:off x="6741795" y="2389505"/>
+            <a:ext cx="1887855" cy="1326515"/>
+          </a:xfrm>
+          <a:prstGeom prst="rect">
+            <a:avLst/>
+          </a:prstGeom>
+        </p:spPr>
+        <p:style>
+          <a:lnRef idx="2">
+            <a:schemeClr val="accent1">
+              <a:shade val="50000"/>
+            </a:schemeClr>
+          </a:lnRef>
+          <a:fillRef idx="1">
+            <a:schemeClr val="accent1"/>
+          </a:fillRef>
+          <a:effectRef idx="0">
+            <a:schemeClr val="accent1"/>
+          </a:effectRef>
+          <a:fontRef idx="minor">
+            <a:schemeClr val="lt1"/>
+          </a:fontRef>
+        </p:style>
+        <p:txBody>
+          <a:bodyPr rtlCol="0" anchor="ctr"/>
+          <a:p>
+            <a:pPr algn="ctr"/>
+            <a:endParaRPr lang="zh-CN" altLang="en-US"/>
+          </a:p>
+        </p:txBody>
+      </p:sp>
+      <p:sp>
+        <p:nvSpPr>
+          <p:cNvPr id="10" name="文本框 9"/>
+          <p:cNvSpPr txBox="1"/>
+          <p:nvPr/>
+        </p:nvSpPr>
+        <p:spPr>
+          <a:xfrm>
+            <a:off x="7527290" y="3340735"/>
+            <a:ext cx="1028700" cy="368300"/>
+          </a:xfrm>
+          <a:prstGeom prst="rect">
+            <a:avLst/>
+          </a:prstGeom>
+          <a:noFill/>
+        </p:spPr>
+        <p:txBody>
+          <a:bodyPr wrap="none" rtlCol="0">
+            <a:spAutoFit/>
+          </a:bodyPr>
+          <a:p>
+            <a:r>
+              <a:rPr lang="en-US" altLang="zh-CN"/>
+              <a:t>decoder</a:t>
+            </a:r>
+            <a:endParaRPr lang="en-US" altLang="zh-CN"/>
+          </a:p>
+        </p:txBody>
+      </p:sp>
+      <p:cxnSp>
+        <p:nvCxnSpPr>
+          <p:cNvPr id="11" name="肘形连接符 10"/>
+          <p:cNvCxnSpPr>
+            <a:stCxn id="4" idx="0"/>
+            <a:endCxn id="9" idx="1"/>
+          </p:cNvCxnSpPr>
+          <p:nvPr/>
+        </p:nvCxnSpPr>
+        <p:spPr>
+          <a:xfrm rot="16200000" flipH="1">
+            <a:off x="4930775" y="1242060"/>
+            <a:ext cx="617220" cy="3004820"/>
+          </a:xfrm>
+          <a:prstGeom prst="bentConnector4">
+            <a:avLst>
+              <a:gd name="adj1" fmla="val -46091"/>
+              <a:gd name="adj2" fmla="val 65702"/>
+            </a:avLst>
+          </a:prstGeom>
+          <a:ln>
+            <a:tailEnd type="arrow"/>
+          </a:ln>
+        </p:spPr>
+        <p:style>
+          <a:lnRef idx="1">
+            <a:schemeClr val="accent1"/>
+          </a:lnRef>
+          <a:fillRef idx="0">
+            <a:schemeClr val="accent1"/>
+          </a:fillRef>
+          <a:effectRef idx="0">
+            <a:schemeClr val="accent1"/>
+          </a:effectRef>
+          <a:fontRef idx="minor">
+            <a:schemeClr val="tx1"/>
+          </a:fontRef>
+        </p:style>
+      </p:cxnSp>
+      <p:sp>
+        <p:nvSpPr>
+          <p:cNvPr id="15" name="文本框 14"/>
+          <p:cNvSpPr txBox="1"/>
+          <p:nvPr/>
+        </p:nvSpPr>
+        <p:spPr>
+          <a:xfrm>
+            <a:off x="6753225" y="4382135"/>
+            <a:ext cx="1786255" cy="368300"/>
+          </a:xfrm>
+          <a:prstGeom prst="rect">
+            <a:avLst/>
+          </a:prstGeom>
+          <a:noFill/>
+        </p:spPr>
+        <p:txBody>
+          <a:bodyPr wrap="none" rtlCol="0">
+            <a:spAutoFit/>
+          </a:bodyPr>
+          <a:p>
+            <a:r>
+              <a:rPr lang="en-US" altLang="zh-CN"/>
+              <a:t>token embeded</a:t>
+            </a:r>
+            <a:endParaRPr lang="en-US" altLang="zh-CN"/>
+          </a:p>
+        </p:txBody>
+      </p:sp>
+      <p:sp>
+        <p:nvSpPr>
+          <p:cNvPr id="16" name="上箭头 15"/>
+          <p:cNvSpPr/>
+          <p:nvPr/>
+        </p:nvSpPr>
+        <p:spPr>
+          <a:xfrm>
+            <a:off x="3582035" y="3891280"/>
+            <a:ext cx="316230" cy="456565"/>
+          </a:xfrm>
+          <a:prstGeom prst="upArrow">
+            <a:avLst/>
+          </a:prstGeom>
+        </p:spPr>
+        <p:style>
+          <a:lnRef idx="2">
+            <a:schemeClr val="accent1">
+              <a:shade val="50000"/>
+            </a:schemeClr>
+          </a:lnRef>
+          <a:fillRef idx="1">
+            <a:schemeClr val="accent1"/>
+          </a:fillRef>
+          <a:effectRef idx="0">
+            <a:schemeClr val="accent1"/>
+          </a:effectRef>
+          <a:fontRef idx="minor">
+            <a:schemeClr val="lt1"/>
+          </a:fontRef>
+        </p:style>
+        <p:txBody>
+          <a:bodyPr rtlCol="0" anchor="ctr"/>
+          <a:p>
+            <a:pPr algn="ctr"/>
+            <a:endParaRPr lang="zh-CN" altLang="en-US"/>
+          </a:p>
+        </p:txBody>
+      </p:sp>
+      <p:sp>
+        <p:nvSpPr>
+          <p:cNvPr id="17" name="文本框 16"/>
+          <p:cNvSpPr txBox="1"/>
+          <p:nvPr/>
+        </p:nvSpPr>
+        <p:spPr>
+          <a:xfrm>
+            <a:off x="3072130" y="4476750"/>
+            <a:ext cx="1337945" cy="368300"/>
+          </a:xfrm>
+          <a:prstGeom prst="rect">
+            <a:avLst/>
+          </a:prstGeom>
+          <a:noFill/>
+        </p:spPr>
+        <p:txBody>
+          <a:bodyPr wrap="none" rtlCol="0">
+            <a:spAutoFit/>
+          </a:bodyPr>
+          <a:p>
+            <a:r>
+              <a:rPr lang="en-US" altLang="zh-CN"/>
+              <a:t>embed</a:t>
+            </a:r>
+            <a:r>
+              <a:rPr lang="en-US" altLang="zh-CN"/>
+              <a:t>ding</a:t>
+            </a:r>
+            <a:endParaRPr lang="en-US" altLang="zh-CN"/>
+          </a:p>
+        </p:txBody>
+      </p:sp>
+      <p:sp>
+        <p:nvSpPr>
+          <p:cNvPr id="18" name="矩形 17"/>
+          <p:cNvSpPr/>
+          <p:nvPr/>
+        </p:nvSpPr>
+        <p:spPr>
+          <a:xfrm>
+            <a:off x="2821940" y="5353050"/>
+            <a:ext cx="1909445" cy="1194435"/>
+          </a:xfrm>
+          <a:prstGeom prst="rect">
+            <a:avLst/>
+          </a:prstGeom>
+          <a:noFill/>
+        </p:spPr>
+        <p:style>
+          <a:lnRef idx="2">
+            <a:schemeClr val="accent1">
+              <a:shade val="50000"/>
+            </a:schemeClr>
+          </a:lnRef>
+          <a:fillRef idx="1">
+            <a:schemeClr val="accent1"/>
+          </a:fillRef>
+          <a:effectRef idx="0">
+            <a:schemeClr val="accent1"/>
+          </a:effectRef>
+          <a:fontRef idx="minor">
+            <a:schemeClr val="lt1"/>
+          </a:fontRef>
+        </p:style>
+        <p:txBody>
+          <a:bodyPr rtlCol="0" anchor="ctr"/>
+          <a:p>
+            <a:pPr algn="ctr"/>
+            <a:endParaRPr lang="zh-CN" altLang="en-US"/>
+          </a:p>
+        </p:txBody>
+      </p:sp>
+      <p:sp>
+        <p:nvSpPr>
+          <p:cNvPr id="19" name="文本框 18"/>
+          <p:cNvSpPr txBox="1"/>
+          <p:nvPr/>
+        </p:nvSpPr>
+        <p:spPr>
+          <a:xfrm>
+            <a:off x="2792730" y="5758815"/>
+            <a:ext cx="2011680" cy="337185"/>
+          </a:xfrm>
+          <a:prstGeom prst="rect">
+            <a:avLst/>
+          </a:prstGeom>
+          <a:noFill/>
+        </p:spPr>
+        <p:txBody>
+          <a:bodyPr wrap="none" rtlCol="0">
+            <a:spAutoFit/>
+          </a:bodyPr>
+          <a:p>
+            <a:r>
+              <a:rPr lang="zh-CN" altLang="en-US" sz="1600"/>
+              <a:t>代码片段的前</a:t>
+            </a:r>
+            <a:r>
+              <a:rPr lang="zh-CN" altLang="en-US" sz="1600"/>
+              <a:t>半部分</a:t>
+            </a:r>
+            <a:endParaRPr lang="zh-CN" altLang="en-US" sz="1600"/>
+          </a:p>
+        </p:txBody>
+      </p:sp>
+      <p:sp>
+        <p:nvSpPr>
+          <p:cNvPr id="20" name="矩形 19"/>
+          <p:cNvSpPr/>
+          <p:nvPr/>
+        </p:nvSpPr>
+        <p:spPr>
+          <a:xfrm>
+            <a:off x="6753225" y="528955"/>
+            <a:ext cx="1909445" cy="1194435"/>
+          </a:xfrm>
+          <a:prstGeom prst="rect">
+            <a:avLst/>
+          </a:prstGeom>
+          <a:noFill/>
+        </p:spPr>
+        <p:style>
+          <a:lnRef idx="2">
+            <a:schemeClr val="accent1">
+              <a:shade val="50000"/>
+            </a:schemeClr>
+          </a:lnRef>
+          <a:fillRef idx="1">
+            <a:schemeClr val="accent1"/>
+          </a:fillRef>
+          <a:effectRef idx="0">
+            <a:schemeClr val="accent1"/>
+          </a:effectRef>
+          <a:fontRef idx="minor">
+            <a:schemeClr val="lt1"/>
+          </a:fontRef>
+        </p:style>
+        <p:txBody>
+          <a:bodyPr rtlCol="0" anchor="ctr"/>
+          <a:p>
+            <a:pPr algn="ctr"/>
+            <a:endParaRPr lang="zh-CN" altLang="en-US"/>
+          </a:p>
+        </p:txBody>
+      </p:sp>
+      <p:sp>
+        <p:nvSpPr>
+          <p:cNvPr id="21" name="文本框 20"/>
+          <p:cNvSpPr txBox="1"/>
+          <p:nvPr/>
+        </p:nvSpPr>
+        <p:spPr>
+          <a:xfrm>
+            <a:off x="6746875" y="957580"/>
+            <a:ext cx="2011680" cy="337185"/>
+          </a:xfrm>
+          <a:prstGeom prst="rect">
+            <a:avLst/>
+          </a:prstGeom>
+          <a:noFill/>
+        </p:spPr>
+        <p:txBody>
+          <a:bodyPr wrap="none" rtlCol="0">
+            <a:spAutoFit/>
+          </a:bodyPr>
+          <a:p>
+            <a:r>
+              <a:rPr lang="zh-CN" altLang="en-US" sz="1600"/>
+              <a:t>代码片段的后</a:t>
+            </a:r>
+            <a:r>
+              <a:rPr lang="zh-CN" altLang="en-US" sz="1600"/>
+              <a:t>半部分</a:t>
+            </a:r>
+            <a:endParaRPr lang="zh-CN" altLang="en-US" sz="1600"/>
+          </a:p>
+        </p:txBody>
+      </p:sp>
+      <p:sp>
+        <p:nvSpPr>
+          <p:cNvPr id="26" name="上箭头 25"/>
+          <p:cNvSpPr/>
+          <p:nvPr/>
+        </p:nvSpPr>
+        <p:spPr>
+          <a:xfrm>
+            <a:off x="7487920" y="3891280"/>
+            <a:ext cx="316230" cy="456565"/>
+          </a:xfrm>
+          <a:prstGeom prst="upArrow">
+            <a:avLst/>
+          </a:prstGeom>
+        </p:spPr>
+        <p:style>
+          <a:lnRef idx="2">
+            <a:schemeClr val="accent1">
+              <a:shade val="50000"/>
+            </a:schemeClr>
+          </a:lnRef>
+          <a:fillRef idx="1">
+            <a:schemeClr val="accent1"/>
+          </a:fillRef>
+          <a:effectRef idx="0">
+            <a:schemeClr val="accent1"/>
+          </a:effectRef>
+          <a:fontRef idx="minor">
+            <a:schemeClr val="lt1"/>
+          </a:fontRef>
+        </p:style>
+        <p:txBody>
+          <a:bodyPr rtlCol="0" anchor="ctr"/>
+          <a:p>
+            <a:pPr algn="ctr"/>
+            <a:endParaRPr lang="zh-CN" altLang="en-US"/>
+          </a:p>
+        </p:txBody>
+      </p:sp>
+      <p:sp>
+        <p:nvSpPr>
+          <p:cNvPr id="27" name="上箭头 26"/>
+          <p:cNvSpPr/>
+          <p:nvPr/>
+        </p:nvSpPr>
+        <p:spPr>
+          <a:xfrm>
+            <a:off x="7527290" y="1828165"/>
+            <a:ext cx="316230" cy="456565"/>
+          </a:xfrm>
+          <a:prstGeom prst="upArrow">
+            <a:avLst/>
+          </a:prstGeom>
+        </p:spPr>
+        <p:style>
+          <a:lnRef idx="2">
+            <a:schemeClr val="accent1">
+              <a:shade val="50000"/>
+            </a:schemeClr>
+          </a:lnRef>
+          <a:fillRef idx="1">
+            <a:schemeClr val="accent1"/>
+          </a:fillRef>
+          <a:effectRef idx="0">
+            <a:schemeClr val="accent1"/>
+          </a:effectRef>
+          <a:fontRef idx="minor">
+            <a:schemeClr val="lt1"/>
+          </a:fontRef>
+        </p:style>
+        <p:txBody>
+          <a:bodyPr rtlCol="0" anchor="ctr"/>
+          <a:p>
+            <a:pPr algn="ctr"/>
+            <a:endParaRPr lang="zh-CN" altLang="en-US"/>
+          </a:p>
+        </p:txBody>
+      </p:sp>
+      <p:sp>
+        <p:nvSpPr>
+          <p:cNvPr id="28" name="圆角矩形 27"/>
+          <p:cNvSpPr/>
+          <p:nvPr/>
+        </p:nvSpPr>
+        <p:spPr>
+          <a:xfrm>
+            <a:off x="3068320" y="2798445"/>
+            <a:ext cx="1419225" cy="336550"/>
+          </a:xfrm>
+          <a:prstGeom prst="roundRect">
+            <a:avLst/>
+          </a:prstGeom>
+        </p:spPr>
+        <p:style>
+          <a:lnRef idx="2">
+            <a:schemeClr val="accent4">
+              <a:shade val="50000"/>
+            </a:schemeClr>
+          </a:lnRef>
+          <a:fillRef idx="1">
+            <a:schemeClr val="accent4"/>
+          </a:fillRef>
+          <a:effectRef idx="0">
+            <a:schemeClr val="accent4"/>
+          </a:effectRef>
+          <a:fontRef idx="minor">
+            <a:schemeClr val="lt1"/>
+          </a:fontRef>
+        </p:style>
+        <p:txBody>
+          <a:bodyPr rtlCol="0" anchor="ctr"/>
+          <a:p>
+            <a:pPr algn="ctr"/>
+            <a:endParaRPr lang="zh-CN" altLang="en-US"/>
+          </a:p>
+        </p:txBody>
+      </p:sp>
+      <p:sp>
+        <p:nvSpPr>
+          <p:cNvPr id="29" name="文本框 28"/>
+          <p:cNvSpPr txBox="1"/>
+          <p:nvPr/>
+        </p:nvSpPr>
+        <p:spPr>
+          <a:xfrm>
+            <a:off x="3089275" y="2825115"/>
+            <a:ext cx="1419860" cy="275590"/>
+          </a:xfrm>
+          <a:prstGeom prst="rect">
+            <a:avLst/>
+          </a:prstGeom>
+          <a:noFill/>
+        </p:spPr>
+        <p:txBody>
+          <a:bodyPr wrap="none" rtlCol="0">
+            <a:spAutoFit/>
+          </a:bodyPr>
+          <a:p>
+            <a:r>
+              <a:rPr lang="en-US" altLang="zh-CN" sz="1200"/>
+              <a:t>transformer_block</a:t>
+            </a:r>
+            <a:endParaRPr lang="en-US" altLang="zh-CN" sz="1200"/>
+          </a:p>
+        </p:txBody>
+      </p:sp>
+      <p:sp>
+        <p:nvSpPr>
+          <p:cNvPr id="31" name="圆角矩形 30"/>
+          <p:cNvSpPr/>
+          <p:nvPr/>
+        </p:nvSpPr>
+        <p:spPr>
+          <a:xfrm>
+            <a:off x="7032625" y="3004185"/>
+            <a:ext cx="1419225" cy="336550"/>
+          </a:xfrm>
+          <a:prstGeom prst="roundRect">
+            <a:avLst/>
+          </a:prstGeom>
+        </p:spPr>
+        <p:style>
+          <a:lnRef idx="2">
+            <a:schemeClr val="accent4">
+              <a:shade val="50000"/>
+            </a:schemeClr>
+          </a:lnRef>
+          <a:fillRef idx="1">
+            <a:schemeClr val="accent4"/>
+          </a:fillRef>
+          <a:effectRef idx="0">
+            <a:schemeClr val="accent4"/>
+          </a:effectRef>
+          <a:fontRef idx="minor">
+            <a:schemeClr val="lt1"/>
+          </a:fontRef>
+        </p:style>
+        <p:txBody>
+          <a:bodyPr rtlCol="0" anchor="ctr"/>
+          <a:p>
+            <a:pPr algn="ctr"/>
+            <a:endParaRPr lang="zh-CN" altLang="en-US"/>
+          </a:p>
+        </p:txBody>
+      </p:sp>
+      <p:sp>
+        <p:nvSpPr>
+          <p:cNvPr id="32" name="文本框 31"/>
+          <p:cNvSpPr txBox="1"/>
+          <p:nvPr/>
+        </p:nvSpPr>
+        <p:spPr>
+          <a:xfrm>
+            <a:off x="7042785" y="3040380"/>
+            <a:ext cx="1419860" cy="275590"/>
+          </a:xfrm>
+          <a:prstGeom prst="rect">
+            <a:avLst/>
+          </a:prstGeom>
+          <a:noFill/>
+        </p:spPr>
+        <p:txBody>
+          <a:bodyPr wrap="none" rtlCol="0">
+            <a:spAutoFit/>
+          </a:bodyPr>
+          <a:p>
+            <a:r>
+              <a:rPr lang="en-US" altLang="zh-CN" sz="1200"/>
+              <a:t>transformer_block</a:t>
+            </a:r>
+            <a:endParaRPr lang="en-US" altLang="zh-CN" sz="1200"/>
+          </a:p>
+        </p:txBody>
+      </p:sp>
+      <p:sp>
+        <p:nvSpPr>
+          <p:cNvPr id="33" name="圆角矩形 32"/>
+          <p:cNvSpPr/>
+          <p:nvPr/>
+        </p:nvSpPr>
+        <p:spPr>
+          <a:xfrm>
+            <a:off x="7019290" y="2515235"/>
+            <a:ext cx="1419225" cy="336550"/>
+          </a:xfrm>
+          <a:prstGeom prst="roundRect">
+            <a:avLst/>
+          </a:prstGeom>
+        </p:spPr>
+        <p:style>
+          <a:lnRef idx="2">
+            <a:schemeClr val="accent4">
+              <a:shade val="50000"/>
+            </a:schemeClr>
+          </a:lnRef>
+          <a:fillRef idx="1">
+            <a:schemeClr val="accent4"/>
+          </a:fillRef>
+          <a:effectRef idx="0">
+            <a:schemeClr val="accent4"/>
+          </a:effectRef>
+          <a:fontRef idx="minor">
+            <a:schemeClr val="lt1"/>
+          </a:fontRef>
+        </p:style>
+        <p:txBody>
+          <a:bodyPr rtlCol="0" anchor="ctr"/>
+          <a:p>
+            <a:pPr algn="ctr"/>
+            <a:endParaRPr lang="zh-CN" altLang="en-US"/>
+          </a:p>
+        </p:txBody>
+      </p:sp>
+      <p:sp>
+        <p:nvSpPr>
+          <p:cNvPr id="34" name="文本框 33"/>
+          <p:cNvSpPr txBox="1"/>
+          <p:nvPr/>
+        </p:nvSpPr>
+        <p:spPr>
+          <a:xfrm>
+            <a:off x="7040245" y="2541905"/>
+            <a:ext cx="1419860" cy="275590"/>
+          </a:xfrm>
+          <a:prstGeom prst="rect">
+            <a:avLst/>
+          </a:prstGeom>
+          <a:noFill/>
+        </p:spPr>
+        <p:txBody>
+          <a:bodyPr wrap="none" rtlCol="0">
+            <a:spAutoFit/>
+          </a:bodyPr>
+          <a:p>
+            <a:r>
+              <a:rPr lang="en-US" altLang="zh-CN" sz="1200"/>
+              <a:t>transformer_block</a:t>
+            </a:r>
+            <a:endParaRPr lang="en-US" altLang="zh-CN" sz="1200"/>
+          </a:p>
+        </p:txBody>
+      </p:sp>
+      <p:sp>
+        <p:nvSpPr>
+          <p:cNvPr id="35" name="上箭头 34"/>
+          <p:cNvSpPr/>
+          <p:nvPr/>
+        </p:nvSpPr>
+        <p:spPr>
+          <a:xfrm>
+            <a:off x="3585845" y="4824730"/>
+            <a:ext cx="316230" cy="456565"/>
+          </a:xfrm>
+          <a:prstGeom prst="upArrow">
+            <a:avLst/>
+          </a:prstGeom>
+        </p:spPr>
+        <p:style>
+          <a:lnRef idx="2">
+            <a:schemeClr val="accent1">
+              <a:shade val="50000"/>
+            </a:schemeClr>
+          </a:lnRef>
+          <a:fillRef idx="1">
+            <a:schemeClr val="accent1"/>
+          </a:fillRef>
+          <a:effectRef idx="0">
+            <a:schemeClr val="accent1"/>
+          </a:effectRef>
+          <a:fontRef idx="minor">
+            <a:schemeClr val="lt1"/>
+          </a:fontRef>
+        </p:style>
+        <p:txBody>
+          <a:bodyPr rtlCol="0" anchor="ctr"/>
+          <a:p>
+            <a:pPr algn="ctr"/>
+            <a:endParaRPr lang="zh-CN" altLang="en-US"/>
+          </a:p>
+        </p:txBody>
+      </p:sp>
+      <p:sp>
+        <p:nvSpPr>
+          <p:cNvPr id="38" name="标题 37"/>
+          <p:cNvSpPr>
+            <a:spLocks noGrp="1"/>
+          </p:cNvSpPr>
+          <p:nvPr>
+            <p:ph type="title"/>
+          </p:nvPr>
+        </p:nvSpPr>
+        <p:spPr/>
+        <p:txBody>
+          <a:bodyPr/>
+          <a:p>
+            <a:r>
+              <a:rPr lang="en-US" altLang="zh-CN"/>
+              <a:t>Pre-</a:t>
+            </a:r>
+            <a:r>
+              <a:rPr lang="en-US" altLang="zh-CN"/>
+              <a:t>training</a:t>
+            </a:r>
+            <a:endParaRPr lang="en-US" altLang="zh-CN"/>
+          </a:p>
+        </p:txBody>
+      </p:sp>
+      <p:sp>
+        <p:nvSpPr>
+          <p:cNvPr id="39" name="文本框 38"/>
+          <p:cNvSpPr txBox="1"/>
+          <p:nvPr/>
+        </p:nvSpPr>
+        <p:spPr>
+          <a:xfrm>
+            <a:off x="6753225" y="5625465"/>
+            <a:ext cx="4792345" cy="922020"/>
+          </a:xfrm>
+          <a:prstGeom prst="rect">
+            <a:avLst/>
+          </a:prstGeom>
+          <a:noFill/>
+        </p:spPr>
+        <p:txBody>
+          <a:bodyPr wrap="none" rtlCol="0">
+            <a:spAutoFit/>
+          </a:bodyPr>
+          <a:p>
+            <a:r>
+              <a:rPr lang="zh-CN" altLang="en-US"/>
+              <a:t>综合使用两个</a:t>
+            </a:r>
+            <a:r>
+              <a:rPr lang="en-US" altLang="zh-CN"/>
+              <a:t>loss:</a:t>
+            </a:r>
+            <a:endParaRPr lang="en-US" altLang="zh-CN"/>
+          </a:p>
+          <a:p>
+            <a:r>
+              <a:rPr lang="en-US" altLang="zh-CN"/>
+              <a:t>1. decoder</a:t>
+            </a:r>
+            <a:r>
+              <a:rPr lang="zh-CN" altLang="en-US"/>
+              <a:t>：</a:t>
+            </a:r>
+            <a:r>
+              <a:rPr lang="en-US" altLang="zh-CN"/>
+              <a:t>next-token prediction loss</a:t>
+            </a:r>
+            <a:endParaRPr lang="zh-CN" altLang="en-US"/>
+          </a:p>
+          <a:p>
+            <a:r>
+              <a:rPr lang="en-US" altLang="zh-CN"/>
+              <a:t>2. encoder</a:t>
+            </a:r>
+            <a:r>
+              <a:rPr lang="zh-CN" altLang="en-US"/>
+              <a:t>：</a:t>
+            </a:r>
+            <a:r>
+              <a:rPr lang="en-US" altLang="zh-CN"/>
+              <a:t>masked language modeling loss</a:t>
+            </a:r>
+            <a:endParaRPr lang="en-US" altLang="zh-CN"/>
+          </a:p>
+        </p:txBody>
+      </p:sp>
+    </p:spTree>
+  </p:cSld>
+  <p:clrMapOvr>
+    <a:masterClrMapping/>
+  </p:clrMapOvr>
+</p:sld>
+</file>
+
+<file path=ppt/slides/slide6.xml><?xml version="1.0" encoding="utf-8"?>
+<p:sld xmlns:a="http://schemas.openxmlformats.org/drawingml/2006/main" xmlns:r="http://schemas.openxmlformats.org/officeDocument/2006/relationships" xmlns:p="http://schemas.openxmlformats.org/presentationml/2006/main">
+  <p:cSld>
+    <p:spTree>
+      <p:nvGrpSpPr>
+        <p:cNvPr id="1" name=""/>
+        <p:cNvGrpSpPr/>
+        <p:nvPr/>
+      </p:nvGrpSpPr>
+      <p:grpSpPr/>
+      <p:sp>
+        <p:nvSpPr>
+          <p:cNvPr id="4" name="矩形 3"/>
+          <p:cNvSpPr/>
+          <p:nvPr/>
+        </p:nvSpPr>
+        <p:spPr>
+          <a:xfrm>
+            <a:off x="2792730" y="2435860"/>
+            <a:ext cx="1887855" cy="1326515"/>
+          </a:xfrm>
+          <a:prstGeom prst="rect">
+            <a:avLst/>
+          </a:prstGeom>
+        </p:spPr>
+        <p:style>
+          <a:lnRef idx="2">
+            <a:schemeClr val="accent1">
+              <a:shade val="50000"/>
+            </a:schemeClr>
+          </a:lnRef>
+          <a:fillRef idx="1">
+            <a:schemeClr val="accent1"/>
+          </a:fillRef>
+          <a:effectRef idx="0">
+            <a:schemeClr val="accent1"/>
+          </a:effectRef>
+          <a:fontRef idx="minor">
+            <a:schemeClr val="lt1"/>
+          </a:fontRef>
+        </p:style>
+        <p:txBody>
+          <a:bodyPr rtlCol="0" anchor="ctr"/>
+          <a:p>
+            <a:pPr algn="ctr"/>
+            <a:endParaRPr lang="zh-CN" altLang="en-US"/>
+          </a:p>
+        </p:txBody>
+      </p:sp>
+      <p:sp>
+        <p:nvSpPr>
+          <p:cNvPr id="7" name="文本框 6"/>
+          <p:cNvSpPr txBox="1"/>
+          <p:nvPr/>
+        </p:nvSpPr>
+        <p:spPr>
+          <a:xfrm>
+            <a:off x="3582035" y="3340735"/>
+            <a:ext cx="1020445" cy="368300"/>
+          </a:xfrm>
+          <a:prstGeom prst="rect">
+            <a:avLst/>
+          </a:prstGeom>
+          <a:noFill/>
+        </p:spPr>
+        <p:txBody>
+          <a:bodyPr wrap="none" rtlCol="0">
+            <a:spAutoFit/>
+          </a:bodyPr>
+          <a:p>
+            <a:r>
+              <a:rPr lang="en-US" altLang="zh-CN"/>
+              <a:t>encoder</a:t>
+            </a:r>
+            <a:endParaRPr lang="en-US" altLang="zh-CN"/>
+          </a:p>
+        </p:txBody>
+      </p:sp>
+      <p:sp>
+        <p:nvSpPr>
+          <p:cNvPr id="9" name="矩形 8"/>
+          <p:cNvSpPr/>
+          <p:nvPr/>
+        </p:nvSpPr>
+        <p:spPr>
+          <a:xfrm>
+            <a:off x="6741795" y="2389505"/>
+            <a:ext cx="1887855" cy="1326515"/>
+          </a:xfrm>
+          <a:prstGeom prst="rect">
+            <a:avLst/>
+          </a:prstGeom>
+        </p:spPr>
+        <p:style>
+          <a:lnRef idx="2">
+            <a:schemeClr val="accent1">
+              <a:shade val="50000"/>
+            </a:schemeClr>
+          </a:lnRef>
+          <a:fillRef idx="1">
+            <a:schemeClr val="accent1"/>
+          </a:fillRef>
+          <a:effectRef idx="0">
+            <a:schemeClr val="accent1"/>
+          </a:effectRef>
+          <a:fontRef idx="minor">
+            <a:schemeClr val="lt1"/>
+          </a:fontRef>
+        </p:style>
+        <p:txBody>
+          <a:bodyPr rtlCol="0" anchor="ctr"/>
+          <a:p>
+            <a:pPr algn="ctr"/>
+            <a:endParaRPr lang="zh-CN" altLang="en-US"/>
+          </a:p>
+        </p:txBody>
+      </p:sp>
+      <p:sp>
+        <p:nvSpPr>
+          <p:cNvPr id="10" name="文本框 9"/>
+          <p:cNvSpPr txBox="1"/>
+          <p:nvPr/>
+        </p:nvSpPr>
+        <p:spPr>
+          <a:xfrm>
+            <a:off x="7527290" y="3340735"/>
+            <a:ext cx="1028700" cy="368300"/>
+          </a:xfrm>
+          <a:prstGeom prst="rect">
+            <a:avLst/>
+          </a:prstGeom>
+          <a:noFill/>
+        </p:spPr>
+        <p:txBody>
+          <a:bodyPr wrap="none" rtlCol="0">
+            <a:spAutoFit/>
+          </a:bodyPr>
+          <a:p>
+            <a:r>
+              <a:rPr lang="en-US" altLang="zh-CN"/>
+              <a:t>decoder</a:t>
+            </a:r>
+            <a:endParaRPr lang="en-US" altLang="zh-CN"/>
+          </a:p>
+        </p:txBody>
+      </p:sp>
+      <p:cxnSp>
+        <p:nvCxnSpPr>
+          <p:cNvPr id="11" name="肘形连接符 10"/>
+          <p:cNvCxnSpPr>
+            <a:stCxn id="4" idx="0"/>
+            <a:endCxn id="9" idx="1"/>
+          </p:cNvCxnSpPr>
+          <p:nvPr/>
+        </p:nvCxnSpPr>
+        <p:spPr>
+          <a:xfrm rot="16200000" flipH="1">
+            <a:off x="4930775" y="1242060"/>
+            <a:ext cx="617220" cy="3004820"/>
+          </a:xfrm>
+          <a:prstGeom prst="bentConnector4">
+            <a:avLst>
+              <a:gd name="adj1" fmla="val -46091"/>
+              <a:gd name="adj2" fmla="val 65702"/>
+            </a:avLst>
+          </a:prstGeom>
+          <a:ln>
+            <a:tailEnd type="arrow"/>
+          </a:ln>
+        </p:spPr>
+        <p:style>
+          <a:lnRef idx="1">
+            <a:schemeClr val="accent1"/>
+          </a:lnRef>
+          <a:fillRef idx="0">
+            <a:schemeClr val="accent1"/>
+          </a:fillRef>
+          <a:effectRef idx="0">
+            <a:schemeClr val="accent1"/>
+          </a:effectRef>
+          <a:fontRef idx="minor">
+            <a:schemeClr val="tx1"/>
+          </a:fontRef>
+        </p:style>
+      </p:cxnSp>
+      <p:sp>
+        <p:nvSpPr>
+          <p:cNvPr id="15" name="文本框 14"/>
+          <p:cNvSpPr txBox="1"/>
+          <p:nvPr/>
+        </p:nvSpPr>
+        <p:spPr>
+          <a:xfrm>
+            <a:off x="6753225" y="4382135"/>
+            <a:ext cx="1786255" cy="368300"/>
+          </a:xfrm>
+          <a:prstGeom prst="rect">
+            <a:avLst/>
+          </a:prstGeom>
+          <a:noFill/>
+        </p:spPr>
+        <p:txBody>
+          <a:bodyPr wrap="none" rtlCol="0">
+            <a:spAutoFit/>
+          </a:bodyPr>
+          <a:p>
+            <a:r>
+              <a:rPr lang="en-US" altLang="zh-CN"/>
+              <a:t>token embeded</a:t>
+            </a:r>
+            <a:endParaRPr lang="en-US" altLang="zh-CN"/>
+          </a:p>
+        </p:txBody>
+      </p:sp>
+      <p:sp>
+        <p:nvSpPr>
+          <p:cNvPr id="16" name="上箭头 15"/>
+          <p:cNvSpPr/>
+          <p:nvPr/>
+        </p:nvSpPr>
+        <p:spPr>
+          <a:xfrm>
+            <a:off x="3582035" y="3891280"/>
+            <a:ext cx="316230" cy="456565"/>
+          </a:xfrm>
+          <a:prstGeom prst="upArrow">
+            <a:avLst/>
+          </a:prstGeom>
+        </p:spPr>
+        <p:style>
+          <a:lnRef idx="2">
+            <a:schemeClr val="accent1">
+              <a:shade val="50000"/>
+            </a:schemeClr>
+          </a:lnRef>
+          <a:fillRef idx="1">
+            <a:schemeClr val="accent1"/>
+          </a:fillRef>
+          <a:effectRef idx="0">
+            <a:schemeClr val="accent1"/>
+          </a:effectRef>
+          <a:fontRef idx="minor">
+            <a:schemeClr val="lt1"/>
+          </a:fontRef>
+        </p:style>
+        <p:txBody>
+          <a:bodyPr rtlCol="0" anchor="ctr"/>
+          <a:p>
+            <a:pPr algn="ctr"/>
+            <a:endParaRPr lang="zh-CN" altLang="en-US"/>
+          </a:p>
+        </p:txBody>
+      </p:sp>
+      <p:sp>
+        <p:nvSpPr>
+          <p:cNvPr id="17" name="文本框 16"/>
+          <p:cNvSpPr txBox="1"/>
+          <p:nvPr/>
+        </p:nvSpPr>
+        <p:spPr>
+          <a:xfrm>
+            <a:off x="3072130" y="4476750"/>
+            <a:ext cx="1337945" cy="368300"/>
+          </a:xfrm>
+          <a:prstGeom prst="rect">
+            <a:avLst/>
+          </a:prstGeom>
+          <a:noFill/>
+        </p:spPr>
+        <p:txBody>
+          <a:bodyPr wrap="none" rtlCol="0">
+            <a:spAutoFit/>
+          </a:bodyPr>
+          <a:p>
+            <a:r>
+              <a:rPr lang="en-US" altLang="zh-CN"/>
+              <a:t>embed</a:t>
+            </a:r>
+            <a:r>
+              <a:rPr lang="en-US" altLang="zh-CN"/>
+              <a:t>ding</a:t>
+            </a:r>
+            <a:endParaRPr lang="en-US" altLang="zh-CN"/>
+          </a:p>
+        </p:txBody>
+      </p:sp>
+      <p:sp>
+        <p:nvSpPr>
+          <p:cNvPr id="18" name="矩形 17"/>
+          <p:cNvSpPr/>
+          <p:nvPr/>
+        </p:nvSpPr>
+        <p:spPr>
+          <a:xfrm>
+            <a:off x="2821940" y="5353050"/>
+            <a:ext cx="1909445" cy="1194435"/>
+          </a:xfrm>
+          <a:prstGeom prst="rect">
+            <a:avLst/>
+          </a:prstGeom>
+          <a:noFill/>
+        </p:spPr>
+        <p:style>
+          <a:lnRef idx="2">
+            <a:schemeClr val="accent1">
+              <a:shade val="50000"/>
+            </a:schemeClr>
+          </a:lnRef>
+          <a:fillRef idx="1">
+            <a:schemeClr val="accent1"/>
+          </a:fillRef>
+          <a:effectRef idx="0">
+            <a:schemeClr val="accent1"/>
+          </a:effectRef>
+          <a:fontRef idx="minor">
+            <a:schemeClr val="lt1"/>
+          </a:fontRef>
+        </p:style>
+        <p:txBody>
+          <a:bodyPr rtlCol="0" anchor="ctr"/>
+          <a:p>
+            <a:pPr algn="ctr"/>
+            <a:endParaRPr lang="zh-CN" altLang="en-US"/>
+          </a:p>
+        </p:txBody>
+      </p:sp>
+      <p:sp>
+        <p:nvSpPr>
+          <p:cNvPr id="19" name="文本框 18"/>
+          <p:cNvSpPr txBox="1"/>
+          <p:nvPr/>
+        </p:nvSpPr>
+        <p:spPr>
+          <a:xfrm>
+            <a:off x="2792730" y="5758815"/>
+            <a:ext cx="2011680" cy="337185"/>
+          </a:xfrm>
+          <a:prstGeom prst="rect">
+            <a:avLst/>
+          </a:prstGeom>
+          <a:noFill/>
+        </p:spPr>
+        <p:txBody>
+          <a:bodyPr wrap="none" rtlCol="0">
+            <a:spAutoFit/>
+          </a:bodyPr>
+          <a:p>
+            <a:r>
+              <a:rPr lang="zh-CN" altLang="en-US" sz="1600"/>
+              <a:t>问题的自然语言</a:t>
+            </a:r>
+            <a:r>
+              <a:rPr lang="zh-CN" altLang="en-US" sz="1600"/>
+              <a:t>描述</a:t>
+            </a:r>
+            <a:endParaRPr lang="zh-CN" altLang="en-US" sz="1600"/>
+          </a:p>
+        </p:txBody>
+      </p:sp>
+      <p:sp>
+        <p:nvSpPr>
+          <p:cNvPr id="20" name="矩形 19"/>
+          <p:cNvSpPr/>
+          <p:nvPr/>
+        </p:nvSpPr>
+        <p:spPr>
+          <a:xfrm>
+            <a:off x="6753225" y="528955"/>
+            <a:ext cx="1909445" cy="1194435"/>
+          </a:xfrm>
+          <a:prstGeom prst="rect">
+            <a:avLst/>
+          </a:prstGeom>
+          <a:noFill/>
+        </p:spPr>
+        <p:style>
+          <a:lnRef idx="2">
+            <a:schemeClr val="accent1">
+              <a:shade val="50000"/>
+            </a:schemeClr>
+          </a:lnRef>
+          <a:fillRef idx="1">
+            <a:schemeClr val="accent1"/>
+          </a:fillRef>
+          <a:effectRef idx="0">
+            <a:schemeClr val="accent1"/>
+          </a:effectRef>
+          <a:fontRef idx="minor">
+            <a:schemeClr val="lt1"/>
+          </a:fontRef>
+        </p:style>
+        <p:txBody>
+          <a:bodyPr rtlCol="0" anchor="ctr"/>
+          <a:p>
+            <a:pPr algn="ctr"/>
+            <a:endParaRPr lang="zh-CN" altLang="en-US"/>
+          </a:p>
+        </p:txBody>
+      </p:sp>
+      <p:sp>
+        <p:nvSpPr>
+          <p:cNvPr id="21" name="文本框 20"/>
+          <p:cNvSpPr txBox="1"/>
+          <p:nvPr/>
+        </p:nvSpPr>
+        <p:spPr>
+          <a:xfrm>
+            <a:off x="7204075" y="980440"/>
+            <a:ext cx="995680" cy="337185"/>
+          </a:xfrm>
+          <a:prstGeom prst="rect">
+            <a:avLst/>
+          </a:prstGeom>
+          <a:noFill/>
+        </p:spPr>
+        <p:txBody>
+          <a:bodyPr wrap="none" rtlCol="0">
+            <a:spAutoFit/>
+          </a:bodyPr>
+          <a:p>
+            <a:r>
+              <a:rPr lang="zh-CN" altLang="en-US" sz="1600"/>
+              <a:t>解题</a:t>
+            </a:r>
+            <a:r>
+              <a:rPr lang="zh-CN" altLang="en-US" sz="1600"/>
+              <a:t>代码</a:t>
+            </a:r>
+            <a:endParaRPr lang="zh-CN" altLang="en-US" sz="1600"/>
+          </a:p>
+        </p:txBody>
+      </p:sp>
+      <p:sp>
+        <p:nvSpPr>
+          <p:cNvPr id="26" name="上箭头 25"/>
+          <p:cNvSpPr/>
+          <p:nvPr/>
+        </p:nvSpPr>
+        <p:spPr>
+          <a:xfrm>
+            <a:off x="7487920" y="3891280"/>
+            <a:ext cx="316230" cy="456565"/>
+          </a:xfrm>
+          <a:prstGeom prst="upArrow">
+            <a:avLst/>
+          </a:prstGeom>
+        </p:spPr>
+        <p:style>
+          <a:lnRef idx="2">
+            <a:schemeClr val="accent1">
+              <a:shade val="50000"/>
+            </a:schemeClr>
+          </a:lnRef>
+          <a:fillRef idx="1">
+            <a:schemeClr val="accent1"/>
+          </a:fillRef>
+          <a:effectRef idx="0">
+            <a:schemeClr val="accent1"/>
+          </a:effectRef>
+          <a:fontRef idx="minor">
+            <a:schemeClr val="lt1"/>
+          </a:fontRef>
+        </p:style>
+        <p:txBody>
+          <a:bodyPr rtlCol="0" anchor="ctr"/>
+          <a:p>
+            <a:pPr algn="ctr"/>
+            <a:endParaRPr lang="zh-CN" altLang="en-US"/>
+          </a:p>
+        </p:txBody>
+      </p:sp>
+      <p:sp>
+        <p:nvSpPr>
+          <p:cNvPr id="27" name="上箭头 26"/>
+          <p:cNvSpPr/>
+          <p:nvPr/>
+        </p:nvSpPr>
+        <p:spPr>
+          <a:xfrm>
+            <a:off x="7527290" y="1828165"/>
+            <a:ext cx="316230" cy="456565"/>
+          </a:xfrm>
+          <a:prstGeom prst="upArrow">
+            <a:avLst/>
+          </a:prstGeom>
+        </p:spPr>
+        <p:style>
+          <a:lnRef idx="2">
+            <a:schemeClr val="accent1">
+              <a:shade val="50000"/>
+            </a:schemeClr>
+          </a:lnRef>
+          <a:fillRef idx="1">
+            <a:schemeClr val="accent1"/>
+          </a:fillRef>
+          <a:effectRef idx="0">
+            <a:schemeClr val="accent1"/>
+          </a:effectRef>
+          <a:fontRef idx="minor">
+            <a:schemeClr val="lt1"/>
+          </a:fontRef>
+        </p:style>
+        <p:txBody>
+          <a:bodyPr rtlCol="0" anchor="ctr"/>
+          <a:p>
+            <a:pPr algn="ctr"/>
+            <a:endParaRPr lang="zh-CN" altLang="en-US"/>
+          </a:p>
+        </p:txBody>
+      </p:sp>
+      <p:sp>
+        <p:nvSpPr>
+          <p:cNvPr id="28" name="圆角矩形 27"/>
+          <p:cNvSpPr/>
+          <p:nvPr/>
+        </p:nvSpPr>
+        <p:spPr>
+          <a:xfrm>
+            <a:off x="3068320" y="2798445"/>
+            <a:ext cx="1419225" cy="336550"/>
+          </a:xfrm>
+          <a:prstGeom prst="roundRect">
+            <a:avLst/>
+          </a:prstGeom>
+        </p:spPr>
+        <p:style>
+          <a:lnRef idx="2">
+            <a:schemeClr val="accent4">
+              <a:shade val="50000"/>
+            </a:schemeClr>
+          </a:lnRef>
+          <a:fillRef idx="1">
+            <a:schemeClr val="accent4"/>
+          </a:fillRef>
+          <a:effectRef idx="0">
+            <a:schemeClr val="accent4"/>
+          </a:effectRef>
+          <a:fontRef idx="minor">
+            <a:schemeClr val="lt1"/>
+          </a:fontRef>
+        </p:style>
+        <p:txBody>
+          <a:bodyPr rtlCol="0" anchor="ctr"/>
+          <a:p>
+            <a:pPr algn="ctr"/>
+            <a:endParaRPr lang="zh-CN" altLang="en-US"/>
+          </a:p>
+        </p:txBody>
+      </p:sp>
+      <p:sp>
+        <p:nvSpPr>
+          <p:cNvPr id="29" name="文本框 28"/>
+          <p:cNvSpPr txBox="1"/>
+          <p:nvPr/>
+        </p:nvSpPr>
+        <p:spPr>
+          <a:xfrm>
+            <a:off x="3089275" y="2825115"/>
+            <a:ext cx="1419860" cy="275590"/>
+          </a:xfrm>
+          <a:prstGeom prst="rect">
+            <a:avLst/>
+          </a:prstGeom>
+          <a:noFill/>
+        </p:spPr>
+        <p:txBody>
+          <a:bodyPr wrap="none" rtlCol="0">
+            <a:spAutoFit/>
+          </a:bodyPr>
+          <a:p>
+            <a:r>
+              <a:rPr lang="en-US" altLang="zh-CN" sz="1200"/>
+              <a:t>transformer_block</a:t>
+            </a:r>
+            <a:endParaRPr lang="en-US" altLang="zh-CN" sz="1200"/>
+          </a:p>
+        </p:txBody>
+      </p:sp>
+      <p:sp>
+        <p:nvSpPr>
+          <p:cNvPr id="31" name="圆角矩形 30"/>
+          <p:cNvSpPr/>
+          <p:nvPr/>
+        </p:nvSpPr>
+        <p:spPr>
+          <a:xfrm>
+            <a:off x="7032625" y="3004185"/>
+            <a:ext cx="1419225" cy="336550"/>
+          </a:xfrm>
+          <a:prstGeom prst="roundRect">
+            <a:avLst/>
+          </a:prstGeom>
+        </p:spPr>
+        <p:style>
+          <a:lnRef idx="2">
+            <a:schemeClr val="accent4">
+              <a:shade val="50000"/>
+            </a:schemeClr>
+          </a:lnRef>
+          <a:fillRef idx="1">
+            <a:schemeClr val="accent4"/>
+          </a:fillRef>
+          <a:effectRef idx="0">
+            <a:schemeClr val="accent4"/>
+          </a:effectRef>
+          <a:fontRef idx="minor">
+            <a:schemeClr val="lt1"/>
+          </a:fontRef>
+        </p:style>
+        <p:txBody>
+          <a:bodyPr rtlCol="0" anchor="ctr"/>
+          <a:p>
+            <a:pPr algn="ctr"/>
+            <a:endParaRPr lang="zh-CN" altLang="en-US"/>
+          </a:p>
+        </p:txBody>
+      </p:sp>
+      <p:sp>
+        <p:nvSpPr>
+          <p:cNvPr id="32" name="文本框 31"/>
+          <p:cNvSpPr txBox="1"/>
+          <p:nvPr/>
+        </p:nvSpPr>
+        <p:spPr>
+          <a:xfrm>
+            <a:off x="7042785" y="3040380"/>
+            <a:ext cx="1419860" cy="275590"/>
+          </a:xfrm>
+          <a:prstGeom prst="rect">
+            <a:avLst/>
+          </a:prstGeom>
+          <a:noFill/>
+        </p:spPr>
+        <p:txBody>
+          <a:bodyPr wrap="none" rtlCol="0">
+            <a:spAutoFit/>
+          </a:bodyPr>
+          <a:p>
+            <a:r>
+              <a:rPr lang="en-US" altLang="zh-CN" sz="1200"/>
+              <a:t>transformer_block</a:t>
+            </a:r>
+            <a:endParaRPr lang="en-US" altLang="zh-CN" sz="1200"/>
+          </a:p>
+        </p:txBody>
+      </p:sp>
+      <p:sp>
+        <p:nvSpPr>
+          <p:cNvPr id="33" name="圆角矩形 32"/>
+          <p:cNvSpPr/>
+          <p:nvPr/>
+        </p:nvSpPr>
+        <p:spPr>
+          <a:xfrm>
+            <a:off x="7019290" y="2515235"/>
+            <a:ext cx="1419225" cy="336550"/>
+          </a:xfrm>
+          <a:prstGeom prst="roundRect">
+            <a:avLst/>
+          </a:prstGeom>
+        </p:spPr>
+        <p:style>
+          <a:lnRef idx="2">
+            <a:schemeClr val="accent4">
+              <a:shade val="50000"/>
+            </a:schemeClr>
+          </a:lnRef>
+          <a:fillRef idx="1">
+            <a:schemeClr val="accent4"/>
+          </a:fillRef>
+          <a:effectRef idx="0">
+            <a:schemeClr val="accent4"/>
+          </a:effectRef>
+          <a:fontRef idx="minor">
+            <a:schemeClr val="lt1"/>
+          </a:fontRef>
+        </p:style>
+        <p:txBody>
+          <a:bodyPr rtlCol="0" anchor="ctr"/>
+          <a:p>
+            <a:pPr algn="ctr"/>
+            <a:endParaRPr lang="zh-CN" altLang="en-US"/>
+          </a:p>
+        </p:txBody>
+      </p:sp>
+      <p:sp>
+        <p:nvSpPr>
+          <p:cNvPr id="34" name="文本框 33"/>
+          <p:cNvSpPr txBox="1"/>
+          <p:nvPr/>
+        </p:nvSpPr>
+        <p:spPr>
+          <a:xfrm>
+            <a:off x="7040245" y="2541905"/>
+            <a:ext cx="1419860" cy="275590"/>
+          </a:xfrm>
+          <a:prstGeom prst="rect">
+            <a:avLst/>
+          </a:prstGeom>
+          <a:noFill/>
+        </p:spPr>
+        <p:txBody>
+          <a:bodyPr wrap="none" rtlCol="0">
+            <a:spAutoFit/>
+          </a:bodyPr>
+          <a:p>
+            <a:r>
+              <a:rPr lang="en-US" altLang="zh-CN" sz="1200"/>
+              <a:t>transformer_block</a:t>
+            </a:r>
+            <a:endParaRPr lang="en-US" altLang="zh-CN" sz="1200"/>
+          </a:p>
+        </p:txBody>
+      </p:sp>
+      <p:sp>
+        <p:nvSpPr>
+          <p:cNvPr id="35" name="上箭头 34"/>
+          <p:cNvSpPr/>
+          <p:nvPr/>
+        </p:nvSpPr>
+        <p:spPr>
+          <a:xfrm>
+            <a:off x="3585845" y="4824730"/>
+            <a:ext cx="316230" cy="456565"/>
+          </a:xfrm>
+          <a:prstGeom prst="upArrow">
+            <a:avLst/>
+          </a:prstGeom>
+        </p:spPr>
+        <p:style>
+          <a:lnRef idx="2">
+            <a:schemeClr val="accent1">
+              <a:shade val="50000"/>
+            </a:schemeClr>
+          </a:lnRef>
+          <a:fillRef idx="1">
+            <a:schemeClr val="accent1"/>
+          </a:fillRef>
+          <a:effectRef idx="0">
+            <a:schemeClr val="accent1"/>
+          </a:effectRef>
+          <a:fontRef idx="minor">
+            <a:schemeClr val="lt1"/>
+          </a:fontRef>
+        </p:style>
+        <p:txBody>
+          <a:bodyPr rtlCol="0" anchor="ctr"/>
+          <a:p>
+            <a:pPr algn="ctr"/>
+            <a:endParaRPr lang="zh-CN" altLang="en-US"/>
+          </a:p>
+        </p:txBody>
+      </p:sp>
+      <p:sp>
+        <p:nvSpPr>
+          <p:cNvPr id="38" name="标题 37"/>
+          <p:cNvSpPr>
+            <a:spLocks noGrp="1"/>
+          </p:cNvSpPr>
+          <p:nvPr>
+            <p:ph type="title"/>
+          </p:nvPr>
+        </p:nvSpPr>
+        <p:spPr/>
+        <p:txBody>
+          <a:bodyPr/>
+          <a:p>
+            <a:r>
+              <a:rPr lang="en-US" altLang="zh-CN"/>
+              <a:t>Fine-tuning</a:t>
+            </a:r>
+            <a:endParaRPr lang="en-US" altLang="zh-CN"/>
+          </a:p>
+        </p:txBody>
+      </p:sp>
+      <p:sp>
+        <p:nvSpPr>
+          <p:cNvPr id="39" name="文本框 38"/>
+          <p:cNvSpPr txBox="1"/>
+          <p:nvPr/>
+        </p:nvSpPr>
+        <p:spPr>
+          <a:xfrm>
+            <a:off x="6753225" y="5625465"/>
+            <a:ext cx="4792345" cy="922020"/>
+          </a:xfrm>
+          <a:prstGeom prst="rect">
+            <a:avLst/>
+          </a:prstGeom>
+          <a:noFill/>
+        </p:spPr>
+        <p:txBody>
+          <a:bodyPr wrap="none" rtlCol="0">
+            <a:spAutoFit/>
+          </a:bodyPr>
+          <a:p>
+            <a:r>
+              <a:rPr lang="zh-CN" altLang="en-US"/>
+              <a:t>综合使用两个</a:t>
+            </a:r>
+            <a:r>
+              <a:rPr lang="en-US" altLang="zh-CN"/>
+              <a:t>loss:</a:t>
+            </a:r>
+            <a:endParaRPr lang="en-US" altLang="zh-CN"/>
+          </a:p>
+          <a:p>
+            <a:r>
+              <a:rPr lang="en-US" altLang="zh-CN"/>
+              <a:t>1. decoder</a:t>
+            </a:r>
+            <a:r>
+              <a:rPr lang="zh-CN" altLang="en-US"/>
+              <a:t>：</a:t>
+            </a:r>
+            <a:r>
+              <a:rPr lang="en-US" altLang="zh-CN"/>
+              <a:t>next-token prediction loss</a:t>
+            </a:r>
+            <a:endParaRPr lang="zh-CN" altLang="en-US"/>
+          </a:p>
+          <a:p>
+            <a:r>
+              <a:rPr lang="en-US" altLang="zh-CN"/>
+              <a:t>2. encoder</a:t>
+            </a:r>
+            <a:r>
+              <a:rPr lang="zh-CN" altLang="en-US"/>
+              <a:t>：</a:t>
+            </a:r>
+            <a:r>
+              <a:rPr lang="en-US" altLang="zh-CN"/>
+              <a:t>masked language modeling loss</a:t>
+            </a:r>
+            <a:endParaRPr lang="en-US" altLang="zh-CN"/>
+          </a:p>
+        </p:txBody>
+      </p:sp>
+    </p:spTree>
+  </p:cSld>
+  <p:clrMapOvr>
+    <a:masterClrMapping/>
+  </p:clrMapOvr>
+</p:sld>
+</file>
+
+<file path=ppt/slides/slide7.xml><?xml version="1.0" encoding="utf-8"?>
+<p:sld xmlns:a="http://schemas.openxmlformats.org/drawingml/2006/main" xmlns:r="http://schemas.openxmlformats.org/officeDocument/2006/relationships" xmlns:p="http://schemas.openxmlformats.org/presentationml/2006/main">
+  <p:cSld>
+    <p:spTree>
+      <p:nvGrpSpPr>
+        <p:cNvPr id="1" name=""/>
+        <p:cNvGrpSpPr/>
+        <p:nvPr/>
+      </p:nvGrpSpPr>
+      <p:grpSpPr/>
+      <p:sp>
+        <p:nvSpPr>
           <p:cNvPr id="2" name="标题 1"/>
           <p:cNvSpPr>
             <a:spLocks noGrp="1"/>
@@ -3802,14 +7701,27 @@
         </p:nvSpPr>
         <p:spPr/>
         <p:txBody>
-          <a:bodyPr/>
-          <a:p>
-            <a:r>
-              <a:rPr lang="zh-CN" altLang="en-US">
+          <a:bodyPr>
+            <a:normAutofit fontScale="90000"/>
+          </a:bodyPr>
+          <a:p>
+            <a:r>
+              <a:rPr lang="zh-CN" altLang="en-US"/>
+              <a:t>一些技巧：</a:t>
+            </a:r>
+            <a:r>
+              <a:rPr lang="en-US" altLang="zh-CN"/>
+              <a:t>Softmax t</a:t>
+            </a:r>
+            <a:r>
+              <a:rPr lang="en-US" altLang="zh-CN">
                 <a:sym typeface="+mn-ea"/>
               </a:rPr>
-              <a:t>系统架构</a:t>
-            </a:r>
+              <a:t>empering</a:t>
+            </a:r>
+            <a:br>
+              <a:rPr lang="zh-CN" altLang="en-US"/>
+            </a:br>
             <a:endParaRPr lang="zh-CN" altLang="en-US"/>
           </a:p>
         </p:txBody>
@@ -3824,29 +7736,40 @@
             <p:ph idx="1"/>
           </p:nvPr>
         </p:nvSpPr>
-        <p:spPr/>
-        <p:txBody>
-          <a:bodyPr/>
+        <p:spPr>
+          <a:xfrm>
+            <a:off x="647700" y="1424305"/>
+            <a:ext cx="10515600" cy="4752975"/>
+          </a:xfrm>
+        </p:spPr>
+        <p:txBody>
+          <a:bodyPr>
+            <a:normAutofit/>
+          </a:bodyPr>
           <a:p>
             <a:r>
               <a:rPr lang="zh-CN" altLang="en-US" sz="2000"/>
-              <a:t>总体基于</a:t>
-            </a:r>
+              <a:t>旧的计算交叉熵损失的方法：</a:t>
+            </a:r>
+            <a:endParaRPr lang="zh-CN" altLang="en-US" sz="2000"/>
+          </a:p>
+          <a:p>
+            <a:endParaRPr lang="zh-CN" altLang="en-US" sz="2000"/>
+          </a:p>
+          <a:p>
+            <a:endParaRPr lang="zh-CN" altLang="en-US" sz="2000"/>
+          </a:p>
+          <a:p>
+            <a:endParaRPr lang="zh-CN" altLang="en-US" sz="2000"/>
+          </a:p>
+          <a:p>
             <a:r>
               <a:rPr lang="en-US" altLang="zh-CN" sz="2000"/>
-              <a:t>transformer</a:t>
+              <a:t>softmax tempering</a:t>
             </a:r>
             <a:r>
               <a:rPr lang="zh-CN" altLang="en-US" sz="2000"/>
-              <a:t>的</a:t>
-            </a:r>
-            <a:r>
-              <a:rPr lang="en-US" altLang="zh-CN" sz="2000"/>
-              <a:t>seq2seq</a:t>
-            </a:r>
-            <a:r>
-              <a:rPr lang="zh-CN" altLang="en-US" sz="2000"/>
-              <a:t>模型</a:t>
+              <a:t>的计算方法：</a:t>
             </a:r>
             <a:endParaRPr lang="zh-CN" altLang="en-US" sz="2000"/>
           </a:p>
@@ -3854,47 +7777,22 @@
             <a:endParaRPr lang="zh-CN" altLang="en-US" sz="2000"/>
           </a:p>
           <a:p>
-            <a:r>
-              <a:rPr lang="en-US" altLang="zh-CN" sz="2000"/>
-              <a:t>encoder</a:t>
-            </a:r>
-            <a:r>
-              <a:rPr lang="zh-CN" altLang="en-US" sz="2000"/>
-              <a:t>用的</a:t>
-            </a:r>
-            <a:r>
-              <a:rPr lang="en-US" altLang="zh-CN" sz="2000"/>
-              <a:t>transformer</a:t>
-            </a:r>
-            <a:r>
-              <a:rPr lang="zh-CN" altLang="en-US" sz="2000"/>
-              <a:t>层数比</a:t>
-            </a:r>
-            <a:r>
-              <a:rPr lang="en-US" altLang="zh-CN" sz="2000"/>
-              <a:t>decoder</a:t>
-            </a:r>
-            <a:r>
-              <a:rPr lang="zh-CN" altLang="en-US" sz="2000"/>
-              <a:t>要少得多</a:t>
-            </a:r>
             <a:endParaRPr lang="zh-CN" altLang="en-US" sz="2000"/>
           </a:p>
           <a:p>
-            <a:endParaRPr lang="en-US" altLang="zh-CN" sz="2000"/>
-          </a:p>
-          <a:p>
-            <a:r>
-              <a:rPr lang="en-US" altLang="zh-CN" sz="2000"/>
-              <a:t> “Using a full set of query heads but sharing key and value heads per attention block significantly reduces memory usage and cache update costs...”</a:t>
-            </a:r>
+            <a:endParaRPr lang="zh-CN" altLang="en-US" sz="2000"/>
+          </a:p>
+          <a:p>
+            <a:endParaRPr lang="zh-CN" altLang="en-US" sz="2000"/>
+          </a:p>
+          <a:p>
             <a:endParaRPr lang="zh-CN" altLang="en-US" sz="2000"/>
           </a:p>
         </p:txBody>
       </p:sp>
       <p:pic>
         <p:nvPicPr>
-          <p:cNvPr id="5" name="图片 4"/>
+          <p:cNvPr id="4" name="图片 3"/>
           <p:cNvPicPr>
             <a:picLocks noChangeAspect="1"/>
           </p:cNvPicPr>
@@ -3908,8 +7806,533 @@
         </p:blipFill>
         <p:spPr>
           <a:xfrm>
-            <a:off x="3340100" y="4645025"/>
-            <a:ext cx="5707380" cy="1638300"/>
+            <a:off x="941705" y="2014220"/>
+            <a:ext cx="5034915" cy="836295"/>
+          </a:xfrm>
+          <a:prstGeom prst="rect">
+            <a:avLst/>
+          </a:prstGeom>
+        </p:spPr>
+      </p:pic>
+      <p:pic>
+        <p:nvPicPr>
+          <p:cNvPr id="5" name="图片 4"/>
+          <p:cNvPicPr>
+            <a:picLocks noChangeAspect="1"/>
+          </p:cNvPicPr>
+          <p:nvPr/>
+        </p:nvPicPr>
+        <p:blipFill>
+          <a:blip r:embed="rId2"/>
+          <a:stretch>
+            <a:fillRect/>
+          </a:stretch>
+        </p:blipFill>
+        <p:spPr>
+          <a:xfrm>
+            <a:off x="1024255" y="3524250"/>
+            <a:ext cx="4051935" cy="994410"/>
+          </a:xfrm>
+          <a:prstGeom prst="rect">
+            <a:avLst/>
+          </a:prstGeom>
+        </p:spPr>
+      </p:pic>
+      <p:sp>
+        <p:nvSpPr>
+          <p:cNvPr id="6" name="文本框 5"/>
+          <p:cNvSpPr txBox="1"/>
+          <p:nvPr/>
+        </p:nvSpPr>
+        <p:spPr>
+          <a:xfrm>
+            <a:off x="5840730" y="6440170"/>
+            <a:ext cx="6149340" cy="521970"/>
+          </a:xfrm>
+          <a:prstGeom prst="rect">
+            <a:avLst/>
+          </a:prstGeom>
+          <a:noFill/>
+        </p:spPr>
+        <p:txBody>
+          <a:bodyPr wrap="none" rtlCol="0">
+            <a:spAutoFit/>
+          </a:bodyPr>
+          <a:p>
+            <a:pPr algn="l"/>
+            <a:r>
+              <a:rPr lang="en-US" altLang="zh-CN" sz="1400">
+                <a:sym typeface="+mn-ea"/>
+              </a:rPr>
+              <a:t>by </a:t>
+            </a:r>
+            <a:r>
+              <a:rPr lang="zh-CN" altLang="en-US" sz="1400">
+                <a:sym typeface="+mn-ea"/>
+              </a:rPr>
+              <a:t>《Softmax Tempering for Training Neural Machine Translation Models》</a:t>
+            </a:r>
+            <a:endParaRPr lang="zh-CN" altLang="en-US" sz="1400"/>
+          </a:p>
+          <a:p>
+            <a:endParaRPr lang="zh-CN" altLang="en-US" sz="1400"/>
+          </a:p>
+        </p:txBody>
+      </p:sp>
+      <p:sp>
+        <p:nvSpPr>
+          <p:cNvPr id="7" name="文本框 6"/>
+          <p:cNvSpPr txBox="1"/>
+          <p:nvPr/>
+        </p:nvSpPr>
+        <p:spPr>
+          <a:xfrm>
+            <a:off x="2246630" y="5922010"/>
+            <a:ext cx="309880" cy="368300"/>
+          </a:xfrm>
+          <a:prstGeom prst="rect">
+            <a:avLst/>
+          </a:prstGeom>
+          <a:noFill/>
+        </p:spPr>
+        <p:txBody>
+          <a:bodyPr wrap="none" rtlCol="0">
+            <a:spAutoFit/>
+          </a:bodyPr>
+          <a:p>
+            <a:endParaRPr lang="zh-CN" altLang="en-US"/>
+          </a:p>
+        </p:txBody>
+      </p:sp>
+      <p:sp>
+        <p:nvSpPr>
+          <p:cNvPr id="8" name="文本框 7"/>
+          <p:cNvSpPr txBox="1"/>
+          <p:nvPr/>
+        </p:nvSpPr>
+        <p:spPr>
+          <a:xfrm>
+            <a:off x="365760" y="4978400"/>
+            <a:ext cx="11899265" cy="1198880"/>
+          </a:xfrm>
+          <a:prstGeom prst="rect">
+            <a:avLst/>
+          </a:prstGeom>
+          <a:noFill/>
+        </p:spPr>
+        <p:txBody>
+          <a:bodyPr wrap="none" rtlCol="0">
+            <a:spAutoFit/>
+          </a:bodyPr>
+          <a:p>
+            <a:pPr algn="l"/>
+            <a:r>
+              <a:rPr lang="zh-CN" altLang="en-US"/>
+              <a:t>Because loss is to be minimized, back-propagation will force the model to generate logits to counter </a:t>
+            </a:r>
+            <a:endParaRPr lang="zh-CN" altLang="en-US"/>
+          </a:p>
+          <a:p>
+            <a:pPr algn="l"/>
+            <a:r>
+              <a:rPr lang="zh-CN" altLang="en-US"/>
+              <a:t>the smoothing effect of temperature. During decoding with a model trained in this way, the temperature coefficient </a:t>
+            </a:r>
+            <a:endParaRPr lang="zh-CN" altLang="en-US"/>
+          </a:p>
+          <a:p>
+            <a:pPr algn="l"/>
+            <a:r>
+              <a:rPr lang="zh-CN" altLang="en-US"/>
+              <a:t>is not used and the logits will be such that they yield a sharper</a:t>
+            </a:r>
+            <a:r>
+              <a:rPr lang="en-US" altLang="zh-CN"/>
+              <a:t> </a:t>
+            </a:r>
+            <a:r>
+              <a:rPr lang="zh-CN" altLang="en-US"/>
+              <a:t>softmax distribution compared to those of </a:t>
+            </a:r>
+            <a:endParaRPr lang="zh-CN" altLang="en-US"/>
+          </a:p>
+          <a:p>
+            <a:pPr algn="l"/>
+            <a:r>
+              <a:rPr lang="zh-CN" altLang="en-US"/>
+              <a:t>a model trained without softmax tempering。</a:t>
+            </a:r>
+            <a:endParaRPr lang="zh-CN" altLang="en-US"/>
+          </a:p>
+        </p:txBody>
+      </p:sp>
+    </p:spTree>
+  </p:cSld>
+  <p:clrMapOvr>
+    <a:masterClrMapping/>
+  </p:clrMapOvr>
+</p:sld>
+</file>
+
+<file path=ppt/slides/slide8.xml><?xml version="1.0" encoding="utf-8"?>
+<p:sld xmlns:a="http://schemas.openxmlformats.org/drawingml/2006/main" xmlns:r="http://schemas.openxmlformats.org/officeDocument/2006/relationships" xmlns:p="http://schemas.openxmlformats.org/presentationml/2006/main">
+  <p:cSld>
+    <p:spTree>
+      <p:nvGrpSpPr>
+        <p:cNvPr id="1" name=""/>
+        <p:cNvGrpSpPr/>
+        <p:nvPr/>
+      </p:nvGrpSpPr>
+      <p:grpSpPr/>
+      <p:sp>
+        <p:nvSpPr>
+          <p:cNvPr id="2" name="标题 1"/>
+          <p:cNvSpPr>
+            <a:spLocks noGrp="1"/>
+          </p:cNvSpPr>
+          <p:nvPr>
+            <p:ph type="title"/>
+          </p:nvPr>
+        </p:nvSpPr>
+        <p:spPr/>
+        <p:txBody>
+          <a:bodyPr>
+            <a:normAutofit fontScale="90000"/>
+          </a:bodyPr>
+          <a:p>
+            <a:r>
+              <a:rPr lang="zh-CN" altLang="en-US"/>
+              <a:t>一些技巧：</a:t>
+            </a:r>
+            <a:r>
+              <a:rPr lang="en-US" altLang="zh-CN"/>
+              <a:t>Value conditioning &amp; prediction</a:t>
+            </a:r>
+            <a:br>
+              <a:rPr lang="zh-CN" altLang="en-US"/>
+            </a:br>
+            <a:endParaRPr lang="zh-CN" altLang="en-US"/>
+          </a:p>
+        </p:txBody>
+      </p:sp>
+      <p:sp>
+        <p:nvSpPr>
+          <p:cNvPr id="3" name="内容占位符 2"/>
+          <p:cNvSpPr>
+            <a:spLocks noGrp="1"/>
+          </p:cNvSpPr>
+          <p:nvPr>
+            <p:ph idx="1"/>
+          </p:nvPr>
+        </p:nvSpPr>
+        <p:spPr>
+          <a:xfrm>
+            <a:off x="647700" y="1424305"/>
+            <a:ext cx="10515600" cy="4752975"/>
+          </a:xfrm>
+        </p:spPr>
+        <p:txBody>
+          <a:bodyPr>
+            <a:normAutofit/>
+          </a:bodyPr>
+          <a:p>
+            <a:r>
+              <a:rPr lang="zh-CN" altLang="en-US"/>
+              <a:t>区分正确与错误的题解</a:t>
+            </a:r>
+            <a:endParaRPr lang="zh-CN" altLang="en-US"/>
+          </a:p>
+          <a:p>
+            <a:r>
+              <a:rPr lang="en-US" altLang="zh-CN"/>
+              <a:t>Value conditioning</a:t>
+            </a:r>
+            <a:endParaRPr lang="zh-CN" altLang="en-US"/>
+          </a:p>
+          <a:p>
+            <a:endParaRPr lang="zh-CN" altLang="en-US"/>
+          </a:p>
+          <a:p>
+            <a:endParaRPr lang="zh-CN" altLang="en-US"/>
+          </a:p>
+          <a:p>
+            <a:endParaRPr lang="zh-CN" altLang="en-US"/>
+          </a:p>
+          <a:p>
+            <a:endParaRPr lang="zh-CN" altLang="en-US"/>
+          </a:p>
+          <a:p>
+            <a:endParaRPr lang="zh-CN" altLang="en-US"/>
+          </a:p>
+          <a:p>
+            <a:r>
+              <a:rPr lang="en-US" altLang="zh-CN"/>
+              <a:t>prediction(</a:t>
+            </a:r>
+            <a:r>
+              <a:rPr lang="zh-CN" altLang="en-US"/>
+              <a:t>采样阶段</a:t>
+            </a:r>
+            <a:r>
+              <a:rPr lang="en-US" altLang="zh-CN"/>
+              <a:t>)</a:t>
+            </a:r>
+            <a:r>
+              <a:rPr lang="zh-CN" altLang="en-US"/>
+              <a:t>，“solution”都填“正确”，模型就会采样到正确的sample</a:t>
+            </a:r>
+            <a:endParaRPr lang="zh-CN" altLang="en-US"/>
+          </a:p>
+        </p:txBody>
+      </p:sp>
+      <p:sp>
+        <p:nvSpPr>
+          <p:cNvPr id="7" name="文本框 6"/>
+          <p:cNvSpPr txBox="1"/>
+          <p:nvPr/>
+        </p:nvSpPr>
+        <p:spPr>
+          <a:xfrm>
+            <a:off x="2246630" y="5922010"/>
+            <a:ext cx="309880" cy="368300"/>
+          </a:xfrm>
+          <a:prstGeom prst="rect">
+            <a:avLst/>
+          </a:prstGeom>
+          <a:noFill/>
+        </p:spPr>
+        <p:txBody>
+          <a:bodyPr wrap="none" rtlCol="0">
+            <a:spAutoFit/>
+          </a:bodyPr>
+          <a:p>
+            <a:endParaRPr lang="zh-CN" altLang="en-US"/>
+          </a:p>
+        </p:txBody>
+      </p:sp>
+      <p:pic>
+        <p:nvPicPr>
+          <p:cNvPr id="10" name="图片 9"/>
+          <p:cNvPicPr>
+            <a:picLocks noChangeAspect="1"/>
+          </p:cNvPicPr>
+          <p:nvPr/>
+        </p:nvPicPr>
+        <p:blipFill>
+          <a:blip r:embed="rId1"/>
+          <a:stretch>
+            <a:fillRect/>
+          </a:stretch>
+        </p:blipFill>
+        <p:spPr>
+          <a:xfrm>
+            <a:off x="2266315" y="3103880"/>
+            <a:ext cx="7279005" cy="1134110"/>
+          </a:xfrm>
+          <a:prstGeom prst="rect">
+            <a:avLst/>
+          </a:prstGeom>
+        </p:spPr>
+      </p:pic>
+    </p:spTree>
+  </p:cSld>
+  <p:clrMapOvr>
+    <a:masterClrMapping/>
+  </p:clrMapOvr>
+</p:sld>
+</file>
+
+<file path=ppt/slides/slide9.xml><?xml version="1.0" encoding="utf-8"?>
+<p:sld xmlns:a="http://schemas.openxmlformats.org/drawingml/2006/main" xmlns:r="http://schemas.openxmlformats.org/officeDocument/2006/relationships" xmlns:p="http://schemas.openxmlformats.org/presentationml/2006/main">
+  <p:cSld>
+    <p:spTree>
+      <p:nvGrpSpPr>
+        <p:cNvPr id="1" name=""/>
+        <p:cNvGrpSpPr/>
+        <p:nvPr/>
+      </p:nvGrpSpPr>
+      <p:grpSpPr/>
+      <p:sp>
+        <p:nvSpPr>
+          <p:cNvPr id="2" name="标题 1"/>
+          <p:cNvSpPr>
+            <a:spLocks noGrp="1"/>
+          </p:cNvSpPr>
+          <p:nvPr>
+            <p:ph type="title"/>
+          </p:nvPr>
+        </p:nvSpPr>
+        <p:spPr/>
+        <p:txBody>
+          <a:bodyPr>
+            <a:normAutofit fontScale="90000"/>
+          </a:bodyPr>
+          <a:p>
+            <a:r>
+              <a:rPr lang="zh-CN" altLang="en-US"/>
+              <a:t>一些技巧：</a:t>
+            </a:r>
+            <a:r>
+              <a:rPr lang="en-US" altLang="zh-CN"/>
+              <a:t>GOLD</a:t>
+            </a:r>
+            <a:br>
+              <a:rPr lang="zh-CN" altLang="en-US"/>
+            </a:br>
+            <a:endParaRPr lang="zh-CN" altLang="en-US"/>
+          </a:p>
+        </p:txBody>
+      </p:sp>
+      <p:sp>
+        <p:nvSpPr>
+          <p:cNvPr id="3" name="内容占位符 2"/>
+          <p:cNvSpPr>
+            <a:spLocks noGrp="1"/>
+          </p:cNvSpPr>
+          <p:nvPr>
+            <p:ph idx="1"/>
+          </p:nvPr>
+        </p:nvSpPr>
+        <p:spPr>
+          <a:xfrm>
+            <a:off x="647700" y="1424305"/>
+            <a:ext cx="10515600" cy="4752975"/>
+          </a:xfrm>
+        </p:spPr>
+        <p:txBody>
+          <a:bodyPr>
+            <a:normAutofit/>
+          </a:bodyPr>
+          <a:p>
+            <a:r>
+              <a:rPr lang="zh-CN" altLang="en-US"/>
+              <a:t>目标：尽可能精确的</a:t>
+            </a:r>
+            <a:r>
+              <a:rPr lang="zh-CN" altLang="en-US"/>
+              <a:t>解</a:t>
+            </a:r>
+            <a:endParaRPr lang="zh-CN" altLang="en-US"/>
+          </a:p>
+          <a:p>
+            <a:r>
+              <a:rPr lang="zh-CN" altLang="en-US"/>
+              <a:t>对</a:t>
+            </a:r>
+            <a:r>
+              <a:rPr lang="en-US" altLang="zh-CN"/>
+              <a:t>loss</a:t>
+            </a:r>
+            <a:r>
+              <a:rPr lang="zh-CN" altLang="en-US"/>
+              <a:t>求导的改进：</a:t>
+            </a:r>
+            <a:endParaRPr lang="zh-CN" altLang="en-US"/>
+          </a:p>
+          <a:p>
+            <a:endParaRPr lang="zh-CN" altLang="en-US" sz="2000"/>
+          </a:p>
+          <a:p>
+            <a:endParaRPr lang="zh-CN" altLang="en-US" sz="2000"/>
+          </a:p>
+          <a:p>
+            <a:endParaRPr lang="zh-CN" altLang="en-US" sz="2000"/>
+          </a:p>
+          <a:p>
+            <a:endParaRPr lang="zh-CN" altLang="en-US" sz="2000"/>
+          </a:p>
+          <a:p>
+            <a:endParaRPr lang="zh-CN" altLang="en-US" sz="2000"/>
+          </a:p>
+          <a:p>
+            <a:endParaRPr lang="zh-CN" altLang="en-US" sz="2000"/>
+          </a:p>
+          <a:p>
+            <a:endParaRPr lang="zh-CN" altLang="en-US" sz="2000"/>
+          </a:p>
+        </p:txBody>
+      </p:sp>
+      <p:sp>
+        <p:nvSpPr>
+          <p:cNvPr id="6" name="文本框 5"/>
+          <p:cNvSpPr txBox="1"/>
+          <p:nvPr/>
+        </p:nvSpPr>
+        <p:spPr>
+          <a:xfrm>
+            <a:off x="6296660" y="6439535"/>
+            <a:ext cx="5351145" cy="306705"/>
+          </a:xfrm>
+          <a:prstGeom prst="rect">
+            <a:avLst/>
+          </a:prstGeom>
+          <a:noFill/>
+        </p:spPr>
+        <p:txBody>
+          <a:bodyPr wrap="none" rtlCol="0">
+            <a:spAutoFit/>
+          </a:bodyPr>
+          <a:p>
+            <a:pPr algn="l"/>
+            <a:r>
+              <a:rPr lang="en-US" altLang="zh-CN" sz="1400">
+                <a:sym typeface="+mn-ea"/>
+              </a:rPr>
+              <a:t>by </a:t>
+            </a:r>
+            <a:r>
+              <a:rPr lang="zh-CN" altLang="en-US" sz="1400">
+                <a:sym typeface="+mn-ea"/>
+              </a:rPr>
+              <a:t>《GOLD: Text Generation by Learning from Demonstrations》</a:t>
+            </a:r>
+            <a:endParaRPr lang="zh-CN" altLang="en-US" sz="1400"/>
+          </a:p>
+        </p:txBody>
+      </p:sp>
+      <p:sp>
+        <p:nvSpPr>
+          <p:cNvPr id="7" name="文本框 6"/>
+          <p:cNvSpPr txBox="1"/>
+          <p:nvPr/>
+        </p:nvSpPr>
+        <p:spPr>
+          <a:xfrm>
+            <a:off x="2246630" y="5922010"/>
+            <a:ext cx="309880" cy="368300"/>
+          </a:xfrm>
+          <a:prstGeom prst="rect">
+            <a:avLst/>
+          </a:prstGeom>
+          <a:noFill/>
+        </p:spPr>
+        <p:txBody>
+          <a:bodyPr wrap="none" rtlCol="0">
+            <a:spAutoFit/>
+          </a:bodyPr>
+          <a:p>
+            <a:endParaRPr lang="zh-CN" altLang="en-US"/>
+          </a:p>
+        </p:txBody>
+      </p:sp>
+      <p:pic>
+        <p:nvPicPr>
+          <p:cNvPr id="9" name="图片 8"/>
+          <p:cNvPicPr>
+            <a:picLocks noChangeAspect="1"/>
+          </p:cNvPicPr>
+          <p:nvPr/>
+        </p:nvPicPr>
+        <p:blipFill>
+          <a:blip r:embed="rId1"/>
+          <a:stretch>
+            <a:fillRect/>
+          </a:stretch>
+        </p:blipFill>
+        <p:spPr>
+          <a:xfrm>
+            <a:off x="2651125" y="3103245"/>
+            <a:ext cx="7143750" cy="1181100"/>
           </a:xfrm>
           <a:prstGeom prst="rect">
             <a:avLst/>

--- a/presentation/hezhi_AlphaCode.pptx
+++ b/presentation/hezhi_AlphaCode.pptx
@@ -8,7 +8,7 @@
     <p:notesMasterId r:id="rId4"/>
   </p:notesMasterIdLst>
   <p:handoutMasterIdLst>
-    <p:handoutMasterId r:id="rId16"/>
+    <p:handoutMasterId r:id="rId24"/>
   </p:handoutMasterIdLst>
   <p:sldIdLst>
     <p:sldId id="256" r:id="rId3"/>
@@ -23,6 +23,14 @@
     <p:sldId id="268" r:id="rId13"/>
     <p:sldId id="269" r:id="rId14"/>
     <p:sldId id="270" r:id="rId15"/>
+    <p:sldId id="271" r:id="rId16"/>
+    <p:sldId id="272" r:id="rId17"/>
+    <p:sldId id="273" r:id="rId18"/>
+    <p:sldId id="274" r:id="rId19"/>
+    <p:sldId id="275" r:id="rId20"/>
+    <p:sldId id="276" r:id="rId21"/>
+    <p:sldId id="278" r:id="rId22"/>
+    <p:sldId id="279" r:id="rId23"/>
   </p:sldIdLst>
   <p:sldSz cx="12192000" cy="6858000"/>
   <p:notesSz cx="7103745" cy="10234295"/>
@@ -5678,6 +5686,778 @@
 </p:sld>
 </file>
 
+<file path=ppt/slides/slide13.xml><?xml version="1.0" encoding="utf-8"?>
+<p:sld xmlns:a="http://schemas.openxmlformats.org/drawingml/2006/main" xmlns:r="http://schemas.openxmlformats.org/officeDocument/2006/relationships" xmlns:p="http://schemas.openxmlformats.org/presentationml/2006/main">
+  <p:cSld>
+    <p:spTree>
+      <p:nvGrpSpPr>
+        <p:cNvPr id="1" name=""/>
+        <p:cNvGrpSpPr/>
+        <p:nvPr/>
+      </p:nvGrpSpPr>
+      <p:grpSpPr/>
+      <p:sp>
+        <p:nvSpPr>
+          <p:cNvPr id="2" name="标题 1"/>
+          <p:cNvSpPr>
+            <a:spLocks noGrp="1"/>
+          </p:cNvSpPr>
+          <p:nvPr>
+            <p:ph type="title"/>
+          </p:nvPr>
+        </p:nvSpPr>
+        <p:spPr/>
+        <p:txBody>
+          <a:bodyPr/>
+          <a:p>
+            <a:r>
+              <a:rPr lang="zh-CN" altLang="en-US"/>
+              <a:t>模型</a:t>
+            </a:r>
+            <a:r>
+              <a:rPr lang="zh-CN" altLang="en-US"/>
+              <a:t>效果</a:t>
+            </a:r>
+            <a:endParaRPr lang="zh-CN" altLang="en-US"/>
+          </a:p>
+        </p:txBody>
+      </p:sp>
+      <p:sp>
+        <p:nvSpPr>
+          <p:cNvPr id="3" name="内容占位符 2"/>
+          <p:cNvSpPr>
+            <a:spLocks noGrp="1"/>
+          </p:cNvSpPr>
+          <p:nvPr>
+            <p:ph idx="1"/>
+          </p:nvPr>
+        </p:nvSpPr>
+        <p:spPr/>
+        <p:txBody>
+          <a:bodyPr/>
+          <a:p>
+            <a:r>
+              <a:rPr lang="zh-CN" altLang="en-US"/>
+              <a:t>解题率：</a:t>
+            </a:r>
+            <a:r>
+              <a:rPr lang="en-US" altLang="zh-CN"/>
+              <a:t>pass@k, n@k</a:t>
+            </a:r>
+            <a:endParaRPr lang="en-US" altLang="zh-CN"/>
+          </a:p>
+        </p:txBody>
+      </p:sp>
+      <p:pic>
+        <p:nvPicPr>
+          <p:cNvPr id="4" name="图片 3" descr="微信图片_20220212180128"/>
+          <p:cNvPicPr>
+            <a:picLocks noChangeAspect="1"/>
+          </p:cNvPicPr>
+          <p:nvPr/>
+        </p:nvPicPr>
+        <p:blipFill>
+          <a:blip r:embed="rId1"/>
+          <a:stretch>
+            <a:fillRect/>
+          </a:stretch>
+        </p:blipFill>
+        <p:spPr>
+          <a:xfrm>
+            <a:off x="4982845" y="1144905"/>
+            <a:ext cx="5890260" cy="1280160"/>
+          </a:xfrm>
+          <a:prstGeom prst="rect">
+            <a:avLst/>
+          </a:prstGeom>
+        </p:spPr>
+      </p:pic>
+      <p:pic>
+        <p:nvPicPr>
+          <p:cNvPr id="5" name="图片 4" descr="微信图片_20220212180514"/>
+          <p:cNvPicPr>
+            <a:picLocks noChangeAspect="1"/>
+          </p:cNvPicPr>
+          <p:nvPr/>
+        </p:nvPicPr>
+        <p:blipFill>
+          <a:blip r:embed="rId2"/>
+          <a:stretch>
+            <a:fillRect/>
+          </a:stretch>
+        </p:blipFill>
+        <p:spPr>
+          <a:xfrm>
+            <a:off x="4664075" y="3004820"/>
+            <a:ext cx="7018655" cy="2993390"/>
+          </a:xfrm>
+          <a:prstGeom prst="rect">
+            <a:avLst/>
+          </a:prstGeom>
+        </p:spPr>
+      </p:pic>
+    </p:spTree>
+  </p:cSld>
+  <p:clrMapOvr>
+    <a:masterClrMapping/>
+  </p:clrMapOvr>
+</p:sld>
+</file>
+
+<file path=ppt/slides/slide14.xml><?xml version="1.0" encoding="utf-8"?>
+<p:sld xmlns:a="http://schemas.openxmlformats.org/drawingml/2006/main" xmlns:r="http://schemas.openxmlformats.org/officeDocument/2006/relationships" xmlns:p="http://schemas.openxmlformats.org/presentationml/2006/main">
+  <p:cSld>
+    <p:spTree>
+      <p:nvGrpSpPr>
+        <p:cNvPr id="1" name=""/>
+        <p:cNvGrpSpPr/>
+        <p:nvPr/>
+      </p:nvGrpSpPr>
+      <p:grpSpPr/>
+      <p:sp>
+        <p:nvSpPr>
+          <p:cNvPr id="2" name="标题 1"/>
+          <p:cNvSpPr>
+            <a:spLocks noGrp="1"/>
+          </p:cNvSpPr>
+          <p:nvPr>
+            <p:ph type="title"/>
+          </p:nvPr>
+        </p:nvSpPr>
+        <p:spPr/>
+        <p:txBody>
+          <a:bodyPr/>
+          <a:p>
+            <a:r>
+              <a:rPr lang="zh-CN" altLang="en-US"/>
+              <a:t>模型</a:t>
+            </a:r>
+            <a:r>
+              <a:rPr lang="zh-CN" altLang="en-US"/>
+              <a:t>效果</a:t>
+            </a:r>
+            <a:endParaRPr lang="zh-CN" altLang="en-US"/>
+          </a:p>
+        </p:txBody>
+      </p:sp>
+      <p:sp>
+        <p:nvSpPr>
+          <p:cNvPr id="3" name="内容占位符 2"/>
+          <p:cNvSpPr>
+            <a:spLocks noGrp="1"/>
+          </p:cNvSpPr>
+          <p:nvPr>
+            <p:ph idx="1"/>
+          </p:nvPr>
+        </p:nvSpPr>
+        <p:spPr>
+          <a:xfrm>
+            <a:off x="647700" y="1825625"/>
+            <a:ext cx="10515600" cy="4351338"/>
+          </a:xfrm>
+        </p:spPr>
+        <p:txBody>
+          <a:bodyPr/>
+          <a:p>
+            <a:r>
+              <a:rPr lang="zh-CN" altLang="en-US"/>
+              <a:t>采样</a:t>
+            </a:r>
+            <a:r>
+              <a:rPr lang="zh-CN" altLang="en-US"/>
+              <a:t>速度</a:t>
+            </a:r>
+            <a:endParaRPr lang="zh-CN" altLang="en-US"/>
+          </a:p>
+        </p:txBody>
+      </p:sp>
+      <p:pic>
+        <p:nvPicPr>
+          <p:cNvPr id="6" name="图片 5" descr="微信图片_20220212181037"/>
+          <p:cNvPicPr>
+            <a:picLocks noChangeAspect="1"/>
+          </p:cNvPicPr>
+          <p:nvPr/>
+        </p:nvPicPr>
+        <p:blipFill>
+          <a:blip r:embed="rId1"/>
+          <a:stretch>
+            <a:fillRect/>
+          </a:stretch>
+        </p:blipFill>
+        <p:spPr>
+          <a:xfrm>
+            <a:off x="1450340" y="3006725"/>
+            <a:ext cx="9290685" cy="1707515"/>
+          </a:xfrm>
+          <a:prstGeom prst="rect">
+            <a:avLst/>
+          </a:prstGeom>
+        </p:spPr>
+      </p:pic>
+    </p:spTree>
+  </p:cSld>
+  <p:clrMapOvr>
+    <a:masterClrMapping/>
+  </p:clrMapOvr>
+</p:sld>
+</file>
+
+<file path=ppt/slides/slide15.xml><?xml version="1.0" encoding="utf-8"?>
+<p:sld xmlns:a="http://schemas.openxmlformats.org/drawingml/2006/main" xmlns:r="http://schemas.openxmlformats.org/officeDocument/2006/relationships" xmlns:p="http://schemas.openxmlformats.org/presentationml/2006/main">
+  <p:cSld>
+    <p:spTree>
+      <p:nvGrpSpPr>
+        <p:cNvPr id="1" name=""/>
+        <p:cNvGrpSpPr/>
+        <p:nvPr/>
+      </p:nvGrpSpPr>
+      <p:grpSpPr/>
+      <p:sp>
+        <p:nvSpPr>
+          <p:cNvPr id="2" name="标题 1"/>
+          <p:cNvSpPr>
+            <a:spLocks noGrp="1"/>
+          </p:cNvSpPr>
+          <p:nvPr>
+            <p:ph type="title"/>
+          </p:nvPr>
+        </p:nvSpPr>
+        <p:spPr/>
+        <p:txBody>
+          <a:bodyPr/>
+          <a:p>
+            <a:r>
+              <a:rPr lang="zh-CN" altLang="en-US"/>
+              <a:t>模型</a:t>
+            </a:r>
+            <a:r>
+              <a:rPr lang="zh-CN" altLang="en-US"/>
+              <a:t>效果</a:t>
+            </a:r>
+            <a:endParaRPr lang="zh-CN" altLang="en-US"/>
+          </a:p>
+        </p:txBody>
+      </p:sp>
+      <p:sp>
+        <p:nvSpPr>
+          <p:cNvPr id="3" name="内容占位符 2"/>
+          <p:cNvSpPr>
+            <a:spLocks noGrp="1"/>
+          </p:cNvSpPr>
+          <p:nvPr>
+            <p:ph idx="1"/>
+          </p:nvPr>
+        </p:nvSpPr>
+        <p:spPr>
+          <a:xfrm>
+            <a:off x="647700" y="1825625"/>
+            <a:ext cx="10515600" cy="4351338"/>
+          </a:xfrm>
+        </p:spPr>
+        <p:txBody>
+          <a:bodyPr/>
+          <a:p>
+            <a:r>
+              <a:rPr lang="zh-CN" altLang="en-US"/>
+              <a:t>各种加</a:t>
+            </a:r>
+            <a:r>
+              <a:rPr lang="en-US" altLang="zh-CN"/>
+              <a:t>buffer</a:t>
+            </a:r>
+            <a:endParaRPr lang="en-US" altLang="zh-CN"/>
+          </a:p>
+        </p:txBody>
+      </p:sp>
+      <p:pic>
+        <p:nvPicPr>
+          <p:cNvPr id="4" name="图片 3" descr="微信图片_20220212181403"/>
+          <p:cNvPicPr>
+            <a:picLocks noChangeAspect="1"/>
+          </p:cNvPicPr>
+          <p:nvPr/>
+        </p:nvPicPr>
+        <p:blipFill>
+          <a:blip r:embed="rId1"/>
+          <a:stretch>
+            <a:fillRect/>
+          </a:stretch>
+        </p:blipFill>
+        <p:spPr>
+          <a:xfrm>
+            <a:off x="1287780" y="2808605"/>
+            <a:ext cx="9875520" cy="2790190"/>
+          </a:xfrm>
+          <a:prstGeom prst="rect">
+            <a:avLst/>
+          </a:prstGeom>
+        </p:spPr>
+      </p:pic>
+    </p:spTree>
+  </p:cSld>
+  <p:clrMapOvr>
+    <a:masterClrMapping/>
+  </p:clrMapOvr>
+</p:sld>
+</file>
+
+<file path=ppt/slides/slide16.xml><?xml version="1.0" encoding="utf-8"?>
+<p:sld xmlns:a="http://schemas.openxmlformats.org/drawingml/2006/main" xmlns:r="http://schemas.openxmlformats.org/officeDocument/2006/relationships" xmlns:p="http://schemas.openxmlformats.org/presentationml/2006/main">
+  <p:cSld>
+    <p:spTree>
+      <p:nvGrpSpPr>
+        <p:cNvPr id="1" name=""/>
+        <p:cNvGrpSpPr/>
+        <p:nvPr/>
+      </p:nvGrpSpPr>
+      <p:grpSpPr/>
+      <p:sp>
+        <p:nvSpPr>
+          <p:cNvPr id="2" name="标题 1"/>
+          <p:cNvSpPr>
+            <a:spLocks noGrp="1"/>
+          </p:cNvSpPr>
+          <p:nvPr>
+            <p:ph type="title"/>
+          </p:nvPr>
+        </p:nvSpPr>
+        <p:spPr/>
+        <p:txBody>
+          <a:bodyPr/>
+          <a:p>
+            <a:r>
+              <a:rPr lang="zh-CN" altLang="en-US"/>
+              <a:t>模型</a:t>
+            </a:r>
+            <a:r>
+              <a:rPr lang="zh-CN" altLang="en-US"/>
+              <a:t>效果</a:t>
+            </a:r>
+            <a:endParaRPr lang="zh-CN" altLang="en-US"/>
+          </a:p>
+        </p:txBody>
+      </p:sp>
+      <p:sp>
+        <p:nvSpPr>
+          <p:cNvPr id="3" name="内容占位符 2"/>
+          <p:cNvSpPr>
+            <a:spLocks noGrp="1"/>
+          </p:cNvSpPr>
+          <p:nvPr>
+            <p:ph idx="1"/>
+          </p:nvPr>
+        </p:nvSpPr>
+        <p:spPr>
+          <a:xfrm>
+            <a:off x="647700" y="1825625"/>
+            <a:ext cx="10515600" cy="4351338"/>
+          </a:xfrm>
+        </p:spPr>
+        <p:txBody>
+          <a:bodyPr/>
+          <a:p>
+            <a:r>
+              <a:rPr lang="zh-CN" altLang="en-US"/>
+              <a:t>问题自然语言描述的精简性影响</a:t>
+            </a:r>
+            <a:endParaRPr lang="zh-CN" altLang="en-US"/>
+          </a:p>
+        </p:txBody>
+      </p:sp>
+      <p:pic>
+        <p:nvPicPr>
+          <p:cNvPr id="6" name="图片 5"/>
+          <p:cNvPicPr>
+            <a:picLocks noChangeAspect="1"/>
+          </p:cNvPicPr>
+          <p:nvPr/>
+        </p:nvPicPr>
+        <p:blipFill>
+          <a:blip r:embed="rId1"/>
+          <a:stretch>
+            <a:fillRect/>
+          </a:stretch>
+        </p:blipFill>
+        <p:spPr>
+          <a:xfrm>
+            <a:off x="943610" y="2769235"/>
+            <a:ext cx="4206240" cy="1864360"/>
+          </a:xfrm>
+          <a:prstGeom prst="rect">
+            <a:avLst/>
+          </a:prstGeom>
+        </p:spPr>
+      </p:pic>
+      <p:pic>
+        <p:nvPicPr>
+          <p:cNvPr id="7" name="图片 6" descr="微信图片_20220213225913"/>
+          <p:cNvPicPr>
+            <a:picLocks noChangeAspect="1"/>
+          </p:cNvPicPr>
+          <p:nvPr/>
+        </p:nvPicPr>
+        <p:blipFill>
+          <a:blip r:embed="rId2"/>
+          <a:stretch>
+            <a:fillRect/>
+          </a:stretch>
+        </p:blipFill>
+        <p:spPr>
+          <a:xfrm>
+            <a:off x="6032500" y="359410"/>
+            <a:ext cx="6052820" cy="6858000"/>
+          </a:xfrm>
+          <a:prstGeom prst="rect">
+            <a:avLst/>
+          </a:prstGeom>
+        </p:spPr>
+      </p:pic>
+    </p:spTree>
+  </p:cSld>
+  <p:clrMapOvr>
+    <a:masterClrMapping/>
+  </p:clrMapOvr>
+</p:sld>
+</file>
+
+<file path=ppt/slides/slide17.xml><?xml version="1.0" encoding="utf-8"?>
+<p:sld xmlns:a="http://schemas.openxmlformats.org/drawingml/2006/main" xmlns:r="http://schemas.openxmlformats.org/officeDocument/2006/relationships" xmlns:p="http://schemas.openxmlformats.org/presentationml/2006/main">
+  <p:cSld>
+    <p:spTree>
+      <p:nvGrpSpPr>
+        <p:cNvPr id="1" name=""/>
+        <p:cNvGrpSpPr/>
+        <p:nvPr/>
+      </p:nvGrpSpPr>
+      <p:grpSpPr/>
+      <p:sp>
+        <p:nvSpPr>
+          <p:cNvPr id="2" name="标题 1"/>
+          <p:cNvSpPr>
+            <a:spLocks noGrp="1"/>
+          </p:cNvSpPr>
+          <p:nvPr>
+            <p:ph type="title"/>
+          </p:nvPr>
+        </p:nvSpPr>
+        <p:spPr/>
+        <p:txBody>
+          <a:bodyPr/>
+          <a:p>
+            <a:r>
+              <a:rPr lang="zh-CN" altLang="en-US"/>
+              <a:t>模型</a:t>
+            </a:r>
+            <a:r>
+              <a:rPr lang="zh-CN" altLang="en-US"/>
+              <a:t>效果</a:t>
+            </a:r>
+            <a:endParaRPr lang="zh-CN" altLang="en-US"/>
+          </a:p>
+        </p:txBody>
+      </p:sp>
+      <p:sp>
+        <p:nvSpPr>
+          <p:cNvPr id="3" name="内容占位符 2"/>
+          <p:cNvSpPr>
+            <a:spLocks noGrp="1"/>
+          </p:cNvSpPr>
+          <p:nvPr>
+            <p:ph idx="1"/>
+          </p:nvPr>
+        </p:nvSpPr>
+        <p:spPr>
+          <a:xfrm>
+            <a:off x="647700" y="1825625"/>
+            <a:ext cx="10515600" cy="4351338"/>
+          </a:xfrm>
+        </p:spPr>
+        <p:txBody>
+          <a:bodyPr/>
+          <a:p>
+            <a:r>
+              <a:rPr lang="zh-CN"/>
+              <a:t>“</a:t>
+            </a:r>
+            <a:r>
+              <a:t>the model acutally does better with more language-heavy descriptions</a:t>
+            </a:r>
+            <a:r>
+              <a:rPr lang="zh-CN"/>
+              <a:t>”</a:t>
+            </a:r>
+            <a:endParaRPr lang="zh-CN"/>
+          </a:p>
+        </p:txBody>
+      </p:sp>
+      <p:pic>
+        <p:nvPicPr>
+          <p:cNvPr id="5" name="图片 4"/>
+          <p:cNvPicPr>
+            <a:picLocks noChangeAspect="1"/>
+          </p:cNvPicPr>
+          <p:nvPr/>
+        </p:nvPicPr>
+        <p:blipFill>
+          <a:blip r:embed="rId1"/>
+          <a:stretch>
+            <a:fillRect/>
+          </a:stretch>
+        </p:blipFill>
+        <p:spPr>
+          <a:xfrm>
+            <a:off x="887095" y="2773045"/>
+            <a:ext cx="6654800" cy="1960880"/>
+          </a:xfrm>
+          <a:prstGeom prst="rect">
+            <a:avLst/>
+          </a:prstGeom>
+        </p:spPr>
+      </p:pic>
+    </p:spTree>
+  </p:cSld>
+  <p:clrMapOvr>
+    <a:masterClrMapping/>
+  </p:clrMapOvr>
+</p:sld>
+</file>
+
+<file path=ppt/slides/slide18.xml><?xml version="1.0" encoding="utf-8"?>
+<p:sld xmlns:a="http://schemas.openxmlformats.org/drawingml/2006/main" xmlns:r="http://schemas.openxmlformats.org/officeDocument/2006/relationships" xmlns:p="http://schemas.openxmlformats.org/presentationml/2006/main">
+  <p:cSld>
+    <p:spTree>
+      <p:nvGrpSpPr>
+        <p:cNvPr id="1" name=""/>
+        <p:cNvGrpSpPr/>
+        <p:nvPr/>
+      </p:nvGrpSpPr>
+      <p:grpSpPr/>
+      <p:pic>
+        <p:nvPicPr>
+          <p:cNvPr id="9" name="图片 8"/>
+          <p:cNvPicPr>
+            <a:picLocks noChangeAspect="1"/>
+          </p:cNvPicPr>
+          <p:nvPr/>
+        </p:nvPicPr>
+        <p:blipFill>
+          <a:blip r:embed="rId1"/>
+          <a:stretch>
+            <a:fillRect/>
+          </a:stretch>
+        </p:blipFill>
+        <p:spPr>
+          <a:xfrm>
+            <a:off x="0" y="246380"/>
+            <a:ext cx="6286500" cy="5915025"/>
+          </a:xfrm>
+          <a:prstGeom prst="rect">
+            <a:avLst/>
+          </a:prstGeom>
+        </p:spPr>
+      </p:pic>
+      <p:pic>
+        <p:nvPicPr>
+          <p:cNvPr id="10" name="图片 9"/>
+          <p:cNvPicPr>
+            <a:picLocks noChangeAspect="1"/>
+          </p:cNvPicPr>
+          <p:nvPr/>
+        </p:nvPicPr>
+        <p:blipFill>
+          <a:blip r:embed="rId2"/>
+          <a:stretch>
+            <a:fillRect/>
+          </a:stretch>
+        </p:blipFill>
+        <p:spPr>
+          <a:xfrm>
+            <a:off x="6032500" y="246380"/>
+            <a:ext cx="6159500" cy="6250305"/>
+          </a:xfrm>
+          <a:prstGeom prst="rect">
+            <a:avLst/>
+          </a:prstGeom>
+        </p:spPr>
+      </p:pic>
+    </p:spTree>
+  </p:cSld>
+  <p:clrMapOvr>
+    <a:masterClrMapping/>
+  </p:clrMapOvr>
+</p:sld>
+</file>
+
+<file path=ppt/slides/slide19.xml><?xml version="1.0" encoding="utf-8"?>
+<p:sld xmlns:a="http://schemas.openxmlformats.org/drawingml/2006/main" xmlns:r="http://schemas.openxmlformats.org/officeDocument/2006/relationships" xmlns:p="http://schemas.openxmlformats.org/presentationml/2006/main">
+  <p:cSld>
+    <p:spTree>
+      <p:nvGrpSpPr>
+        <p:cNvPr id="1" name=""/>
+        <p:cNvGrpSpPr/>
+        <p:nvPr/>
+      </p:nvGrpSpPr>
+      <p:grpSpPr/>
+      <p:sp>
+        <p:nvSpPr>
+          <p:cNvPr id="2" name="标题 1"/>
+          <p:cNvSpPr>
+            <a:spLocks noGrp="1"/>
+          </p:cNvSpPr>
+          <p:nvPr>
+            <p:ph type="title"/>
+          </p:nvPr>
+        </p:nvSpPr>
+        <p:spPr/>
+        <p:txBody>
+          <a:bodyPr/>
+          <a:p>
+            <a:r>
+              <a:rPr lang="zh-CN" altLang="en-US">
+                <a:sym typeface="+mn-ea"/>
+              </a:rPr>
+              <a:t>训练数据的“泄漏”</a:t>
+            </a:r>
+            <a:endParaRPr lang="zh-CN" altLang="en-US"/>
+          </a:p>
+        </p:txBody>
+      </p:sp>
+      <p:pic>
+        <p:nvPicPr>
+          <p:cNvPr id="4" name="图片 3"/>
+          <p:cNvPicPr>
+            <a:picLocks noChangeAspect="1"/>
+          </p:cNvPicPr>
+          <p:nvPr/>
+        </p:nvPicPr>
+        <p:blipFill>
+          <a:blip r:embed="rId1"/>
+          <a:stretch>
+            <a:fillRect/>
+          </a:stretch>
+        </p:blipFill>
+        <p:spPr>
+          <a:xfrm>
+            <a:off x="5682615" y="258445"/>
+            <a:ext cx="6219825" cy="6115050"/>
+          </a:xfrm>
+          <a:prstGeom prst="rect">
+            <a:avLst/>
+          </a:prstGeom>
+        </p:spPr>
+      </p:pic>
+      <p:sp>
+        <p:nvSpPr>
+          <p:cNvPr id="5" name="文本框 4"/>
+          <p:cNvSpPr txBox="1"/>
+          <p:nvPr/>
+        </p:nvSpPr>
+        <p:spPr>
+          <a:xfrm>
+            <a:off x="770890" y="3093720"/>
+            <a:ext cx="4739005" cy="2030095"/>
+          </a:xfrm>
+          <a:prstGeom prst="rect">
+            <a:avLst/>
+          </a:prstGeom>
+          <a:noFill/>
+        </p:spPr>
+        <p:txBody>
+          <a:bodyPr wrap="square" rtlCol="0" anchor="t">
+            <a:spAutoFit/>
+          </a:bodyPr>
+          <a:p>
+            <a:r>
+              <a:rPr lang="en-US" altLang="zh-CN"/>
+              <a:t>*</a:t>
+            </a:r>
+            <a:r>
+              <a:rPr lang="zh-CN" altLang="en-US"/>
+              <a:t>“The common substrings between model solutions and training</a:t>
+            </a:r>
+            <a:r>
+              <a:rPr lang="en-US" altLang="zh-CN"/>
+              <a:t> </a:t>
+            </a:r>
+            <a:r>
+              <a:rPr lang="zh-CN" altLang="en-US"/>
+              <a:t>data mostly contained boilerplate code for reading and parsing the input data format, rather than key</a:t>
+            </a:r>
+            <a:r>
+              <a:rPr lang="en-US" altLang="zh-CN"/>
+              <a:t> </a:t>
+            </a:r>
+            <a:r>
+              <a:rPr lang="zh-CN" altLang="en-US"/>
+              <a:t>logic for solving problems. AlphaCode thus does not seem to solve problems by copying long</a:t>
+            </a:r>
+            <a:r>
+              <a:rPr lang="en-US" altLang="zh-CN"/>
+              <a:t> </a:t>
+            </a:r>
+            <a:r>
+              <a:rPr lang="zh-CN" altLang="en-US"/>
+              <a:t>blocks of code</a:t>
+            </a:r>
+            <a:r>
+              <a:rPr lang="en-US" altLang="zh-CN"/>
+              <a:t>.</a:t>
+            </a:r>
+            <a:r>
+              <a:rPr lang="zh-CN" altLang="en-US"/>
+              <a:t>”</a:t>
+            </a:r>
+            <a:endParaRPr lang="zh-CN" altLang="en-US"/>
+          </a:p>
+        </p:txBody>
+      </p:sp>
+      <p:sp>
+        <p:nvSpPr>
+          <p:cNvPr id="6" name="文本框 5"/>
+          <p:cNvSpPr txBox="1"/>
+          <p:nvPr/>
+        </p:nvSpPr>
+        <p:spPr>
+          <a:xfrm>
+            <a:off x="309245" y="2417445"/>
+            <a:ext cx="3070225" cy="368300"/>
+          </a:xfrm>
+          <a:prstGeom prst="rect">
+            <a:avLst/>
+          </a:prstGeom>
+          <a:noFill/>
+        </p:spPr>
+        <p:txBody>
+          <a:bodyPr wrap="none" rtlCol="0" anchor="t">
+            <a:spAutoFit/>
+          </a:bodyPr>
+          <a:p>
+            <a:pPr lvl="1"/>
+            <a:r>
+              <a:rPr lang="en-US" altLang="zh-CN">
+                <a:sym typeface="+mn-ea"/>
+              </a:rPr>
+              <a:t>* </a:t>
+            </a:r>
+            <a:r>
+              <a:rPr lang="zh-CN" altLang="en-US">
+                <a:sym typeface="+mn-ea"/>
+              </a:rPr>
+              <a:t>按提交日期划分数据集</a:t>
+            </a:r>
+            <a:endParaRPr lang="zh-CN" altLang="en-US"/>
+          </a:p>
+        </p:txBody>
+      </p:sp>
+    </p:spTree>
+  </p:cSld>
+  <p:clrMapOvr>
+    <a:masterClrMapping/>
+  </p:clrMapOvr>
+</p:sld>
+</file>
+
 <file path=ppt/slides/slide2.xml><?xml version="1.0" encoding="utf-8"?>
 <p:sld xmlns:a="http://schemas.openxmlformats.org/drawingml/2006/main" xmlns:r="http://schemas.openxmlformats.org/officeDocument/2006/relationships" xmlns:p="http://schemas.openxmlformats.org/presentationml/2006/main">
   <p:cSld>
@@ -5748,6 +6528,132 @@
           </a:prstGeom>
         </p:spPr>
       </p:pic>
+    </p:spTree>
+  </p:cSld>
+  <p:clrMapOvr>
+    <a:masterClrMapping/>
+  </p:clrMapOvr>
+</p:sld>
+</file>
+
+<file path=ppt/slides/slide20.xml><?xml version="1.0" encoding="utf-8"?>
+<p:sld xmlns:a="http://schemas.openxmlformats.org/drawingml/2006/main" xmlns:r="http://schemas.openxmlformats.org/officeDocument/2006/relationships" xmlns:p="http://schemas.openxmlformats.org/presentationml/2006/main">
+  <p:cSld>
+    <p:spTree>
+      <p:nvGrpSpPr>
+        <p:cNvPr id="1" name=""/>
+        <p:cNvGrpSpPr/>
+        <p:nvPr/>
+      </p:nvGrpSpPr>
+      <p:grpSpPr/>
+      <p:sp>
+        <p:nvSpPr>
+          <p:cNvPr id="2" name="标题 1"/>
+          <p:cNvSpPr>
+            <a:spLocks noGrp="1"/>
+          </p:cNvSpPr>
+          <p:nvPr>
+            <p:ph type="title"/>
+          </p:nvPr>
+        </p:nvSpPr>
+        <p:spPr/>
+        <p:txBody>
+          <a:bodyPr/>
+          <a:p>
+            <a:r>
+              <a:rPr lang="zh-CN" altLang="en-US"/>
+              <a:t>其他</a:t>
+            </a:r>
+            <a:endParaRPr lang="zh-CN" altLang="en-US"/>
+          </a:p>
+        </p:txBody>
+      </p:sp>
+      <p:sp>
+        <p:nvSpPr>
+          <p:cNvPr id="3" name="内容占位符 2"/>
+          <p:cNvSpPr>
+            <a:spLocks noGrp="1"/>
+          </p:cNvSpPr>
+          <p:nvPr>
+            <p:ph idx="1"/>
+          </p:nvPr>
+        </p:nvSpPr>
+        <p:spPr>
+          <a:xfrm>
+            <a:off x="647700" y="1825625"/>
+            <a:ext cx="10515600" cy="4351338"/>
+          </a:xfrm>
+        </p:spPr>
+        <p:txBody>
+          <a:bodyPr/>
+          <a:p>
+            <a:r>
+              <a:rPr lang="zh-CN" altLang="en-US">
+                <a:sym typeface="+mn-ea"/>
+              </a:rPr>
+              <a:t>避免训练数据的“泄漏”</a:t>
+            </a:r>
+            <a:endParaRPr lang="zh-CN"/>
+          </a:p>
+          <a:p>
+            <a:r>
+              <a:rPr lang="zh-CN"/>
+              <a:t>模型加速工具：</a:t>
+            </a:r>
+            <a:r>
+              <a:rPr lang="en-US" altLang="zh-CN"/>
+              <a:t>JAX</a:t>
+            </a:r>
+            <a:r>
+              <a:rPr lang="zh-CN" altLang="en-US"/>
+              <a:t>，</a:t>
+            </a:r>
+            <a:r>
+              <a:rPr lang="en-US" altLang="zh-CN"/>
+              <a:t>Haiku</a:t>
+            </a:r>
+            <a:endParaRPr lang="en-US" altLang="zh-CN"/>
+          </a:p>
+          <a:p>
+            <a:r>
+              <a:rPr lang="zh-CN" altLang="en-US"/>
+              <a:t>官方</a:t>
+            </a:r>
+            <a:r>
+              <a:rPr lang="en-US" altLang="zh-CN"/>
+              <a:t>Demo: https://alphacode.deepmind.com/</a:t>
+            </a:r>
+            <a:endParaRPr lang="en-US" altLang="zh-CN"/>
+          </a:p>
+          <a:p>
+            <a:r>
+              <a:rPr lang="zh-CN" altLang="en-US"/>
+              <a:t>数据集：</a:t>
+            </a:r>
+            <a:endParaRPr lang="zh-CN" altLang="en-US"/>
+          </a:p>
+          <a:p>
+            <a:pPr lvl="1"/>
+            <a:r>
+              <a:rPr lang="zh-CN" altLang="en-US"/>
+              <a:t>https://github.com/deepmind/code_contests</a:t>
+            </a:r>
+            <a:endParaRPr lang="zh-CN" altLang="en-US"/>
+          </a:p>
+          <a:p>
+            <a:pPr lvl="1"/>
+            <a:r>
+              <a:rPr lang="zh-CN" altLang="en-US"/>
+              <a:t>https://codeforces.com/</a:t>
+            </a:r>
+            <a:endParaRPr lang="zh-CN" altLang="en-US"/>
+          </a:p>
+          <a:p>
+            <a:pPr lvl="1"/>
+            <a:endParaRPr lang="zh-CN" altLang="en-US"/>
+          </a:p>
+        </p:txBody>
+      </p:sp>
     </p:spTree>
   </p:cSld>
   <p:clrMapOvr>
@@ -7928,7 +8834,7 @@
             <a:pPr algn="l"/>
             <a:r>
               <a:rPr lang="zh-CN" altLang="en-US"/>
-              <a:t>Because loss is to be minimized, back-propagation will force the model to generate logits to counter </a:t>
+              <a:t>“Because loss is to be minimized, back-propagation will force the model to generate logits to counter </a:t>
             </a:r>
             <a:endParaRPr lang="zh-CN" altLang="en-US"/>
           </a:p>
@@ -7960,7 +8866,7 @@
             <a:pPr algn="l"/>
             <a:r>
               <a:rPr lang="zh-CN" altLang="en-US"/>
-              <a:t>a model trained without softmax tempering。</a:t>
+              <a:t>a model trained without softmax tempering。”</a:t>
             </a:r>
             <a:endParaRPr lang="zh-CN" altLang="en-US"/>
           </a:p>
